--- a/Other/Document/DevelopmentNote.pptx
+++ b/Other/Document/DevelopmentNote.pptx
@@ -1,17 +1,16 @@
 
 <file path=ppt/presentation.xml><?xml version="1.0" encoding="utf-8"?>
-<p:presentation xmlns:a="http://schemas.openxmlformats.org/drawingml/2006/main" xmlns:r="http://schemas.openxmlformats.org/officeDocument/2006/relationships" xmlns:p="http://schemas.openxmlformats.org/presentationml/2006/main" saveSubsetFonts="1">
+<p:presentation xmlns:a="http://schemas.openxmlformats.org/drawingml/2006/main" xmlns:r="http://schemas.openxmlformats.org/officeDocument/2006/relationships" xmlns:p="http://schemas.openxmlformats.org/presentationml/2006/main">
   <p:sldMasterIdLst>
-    <p:sldMasterId id="2147483677" r:id="rId1"/>
+    <p:sldMasterId id="2147483648" r:id="rId1"/>
   </p:sldMasterIdLst>
   <p:sldIdLst>
-    <p:sldId id="260" r:id="rId2"/>
-    <p:sldId id="262" r:id="rId3"/>
+    <p:sldId id="260" r:id="rId3"/>
     <p:sldId id="257" r:id="rId4"/>
     <p:sldId id="261" r:id="rId5"/>
     <p:sldId id="263" r:id="rId6"/>
     <p:sldId id="264" r:id="rId7"/>
-    <p:sldId id="265" r:id="rId8"/>
+    <p:sldId id="269" r:id="rId8"/>
     <p:sldId id="258" r:id="rId9"/>
   </p:sldIdLst>
   <p:sldSz cx="12192000" cy="6858000"/>
@@ -111,11 +110,6 @@
       </a:defRPr>
     </a:lvl9pPr>
   </p:defaultTextStyle>
-  <p:extLst>
-    <p:ext uri="{EFAFB233-063F-42B5-8137-9DF3F51BA10A}">
-      <p15:sldGuideLst xmlns:p15="http://schemas.microsoft.com/office/powerpoint/2012/main"/>
-    </p:ext>
-  </p:extLst>
 </p:presentation>
 </file>
 
@@ -177,7 +171,7 @@
             <a:spLocks noGrp="1"/>
           </p:cNvSpPr>
           <p:nvPr>
-            <p:ph type="subTitle" idx="1"/>
+            <p:ph type="subTitle" idx="1" hasCustomPrompt="1"/>
           </p:nvPr>
         </p:nvSpPr>
         <p:spPr>
@@ -307,7 +301,6 @@
           <a:p>
             <a:fld id="{8271B1B0-4A53-4C3A-9F94-79B5CEBFE18F}" type="datetimeFigureOut">
               <a:rPr lang="zh-TW" altLang="en-US" smtClean="0"/>
-              <a:t>2023/5/30</a:t>
             </a:fld>
             <a:endParaRPr lang="zh-TW" altLang="en-US"/>
           </a:p>
@@ -436,18 +429,12 @@
           <a:p>
             <a:fld id="{02944BBA-67B7-4BC8-98F6-B129BB0E29EF}" type="slidenum">
               <a:rPr lang="zh-TW" altLang="en-US" smtClean="0"/>
-              <a:t>‹#›</a:t>
             </a:fld>
             <a:endParaRPr lang="zh-TW" altLang="en-US"/>
           </a:p>
         </p:txBody>
       </p:sp>
     </p:spTree>
-    <p:extLst>
-      <p:ext uri="{BB962C8B-B14F-4D97-AF65-F5344CB8AC3E}">
-        <p14:creationId xmlns:p14="http://schemas.microsoft.com/office/powerpoint/2010/main" val="1379031988"/>
-      </p:ext>
-    </p:extLst>
   </p:cSld>
   <p:clrMapOvr>
     <a:masterClrMapping/>
@@ -625,6 +612,7 @@
               <a:rPr lang="zh-TW" altLang="en-US"/>
               <a:t>按一下以編輯母片文字樣式</a:t>
             </a:r>
+            <a:endParaRPr lang="zh-TW" altLang="en-US"/>
           </a:p>
         </p:txBody>
       </p:sp>
@@ -645,7 +633,6 @@
           <a:p>
             <a:fld id="{8271B1B0-4A53-4C3A-9F94-79B5CEBFE18F}" type="datetimeFigureOut">
               <a:rPr lang="zh-TW" altLang="en-US" smtClean="0"/>
-              <a:t>2023/5/30</a:t>
             </a:fld>
             <a:endParaRPr lang="zh-TW" altLang="en-US"/>
           </a:p>
@@ -774,18 +761,12 @@
           <a:p>
             <a:fld id="{02944BBA-67B7-4BC8-98F6-B129BB0E29EF}" type="slidenum">
               <a:rPr lang="zh-TW" altLang="en-US" smtClean="0"/>
-              <a:t>‹#›</a:t>
             </a:fld>
             <a:endParaRPr lang="zh-TW" altLang="en-US"/>
           </a:p>
         </p:txBody>
       </p:sp>
     </p:spTree>
-    <p:extLst>
-      <p:ext uri="{BB962C8B-B14F-4D97-AF65-F5344CB8AC3E}">
-        <p14:creationId xmlns:p14="http://schemas.microsoft.com/office/powerpoint/2010/main" val="3281288663"/>
-      </p:ext>
-    </p:extLst>
   </p:cSld>
   <p:clrMapOvr>
     <a:masterClrMapping/>
@@ -904,6 +885,7 @@
               <a:rPr lang="zh-TW" altLang="en-US"/>
               <a:t>按一下以編輯母片文字樣式</a:t>
             </a:r>
+            <a:endParaRPr lang="zh-TW" altLang="en-US"/>
           </a:p>
         </p:txBody>
       </p:sp>
@@ -1026,6 +1008,7 @@
               <a:rPr lang="zh-TW" altLang="en-US"/>
               <a:t>按一下以編輯母片文字樣式</a:t>
             </a:r>
+            <a:endParaRPr lang="zh-TW" altLang="en-US"/>
           </a:p>
         </p:txBody>
       </p:sp>
@@ -1046,7 +1029,6 @@
           <a:p>
             <a:fld id="{8271B1B0-4A53-4C3A-9F94-79B5CEBFE18F}" type="datetimeFigureOut">
               <a:rPr lang="zh-TW" altLang="en-US" smtClean="0"/>
-              <a:t>2023/5/30</a:t>
             </a:fld>
             <a:endParaRPr lang="zh-TW" altLang="en-US"/>
           </a:p>
@@ -1175,7 +1157,6 @@
           <a:p>
             <a:fld id="{02944BBA-67B7-4BC8-98F6-B129BB0E29EF}" type="slidenum">
               <a:rPr lang="zh-TW" altLang="en-US" smtClean="0"/>
-              <a:t>‹#›</a:t>
             </a:fld>
             <a:endParaRPr lang="zh-TW" altLang="en-US"/>
           </a:p>
@@ -1212,10 +1193,20 @@
                   <a:schemeClr val="accent1"/>
                 </a:solidFill>
                 <a:effectLst/>
-                <a:latin typeface="Arial"/>
+                <a:latin typeface="Arial" panose="020B0604020202020204"/>
               </a:rPr>
               <a:t>“</a:t>
             </a:r>
+            <a:endParaRPr lang="en-US" sz="8000" baseline="0" dirty="0">
+              <a:ln w="3175" cmpd="sng">
+                <a:noFill/>
+              </a:ln>
+              <a:solidFill>
+                <a:schemeClr val="accent1"/>
+              </a:solidFill>
+              <a:effectLst/>
+              <a:latin typeface="Arial" panose="020B0604020202020204"/>
+            </a:endParaRPr>
           </a:p>
         </p:txBody>
       </p:sp>
@@ -1250,19 +1241,24 @@
                   <a:schemeClr val="accent1"/>
                 </a:solidFill>
                 <a:effectLst/>
-                <a:latin typeface="Arial"/>
+                <a:latin typeface="Arial" panose="020B0604020202020204"/>
               </a:rPr>
               <a:t>”</a:t>
             </a:r>
+            <a:endParaRPr lang="en-US" sz="8000" baseline="0" dirty="0">
+              <a:ln w="3175" cmpd="sng">
+                <a:noFill/>
+              </a:ln>
+              <a:solidFill>
+                <a:schemeClr val="accent1"/>
+              </a:solidFill>
+              <a:effectLst/>
+              <a:latin typeface="Arial" panose="020B0604020202020204"/>
+            </a:endParaRPr>
           </a:p>
         </p:txBody>
       </p:sp>
     </p:spTree>
-    <p:extLst>
-      <p:ext uri="{BB962C8B-B14F-4D97-AF65-F5344CB8AC3E}">
-        <p14:creationId xmlns:p14="http://schemas.microsoft.com/office/powerpoint/2010/main" val="2477867371"/>
-      </p:ext>
-    </p:extLst>
   </p:cSld>
   <p:clrMapOvr>
     <a:masterClrMapping/>
@@ -1362,6 +1358,7 @@
               <a:rPr lang="zh-TW" altLang="en-US"/>
               <a:t>按一下以編輯母片文字樣式</a:t>
             </a:r>
+            <a:endParaRPr lang="zh-TW" altLang="en-US"/>
           </a:p>
         </p:txBody>
       </p:sp>
@@ -1382,7 +1379,6 @@
           <a:p>
             <a:fld id="{8271B1B0-4A53-4C3A-9F94-79B5CEBFE18F}" type="datetimeFigureOut">
               <a:rPr lang="zh-TW" altLang="en-US" smtClean="0"/>
-              <a:t>2023/5/30</a:t>
             </a:fld>
             <a:endParaRPr lang="zh-TW" altLang="en-US"/>
           </a:p>
@@ -1511,18 +1507,12 @@
           <a:p>
             <a:fld id="{02944BBA-67B7-4BC8-98F6-B129BB0E29EF}" type="slidenum">
               <a:rPr lang="zh-TW" altLang="en-US" smtClean="0"/>
-              <a:t>‹#›</a:t>
             </a:fld>
             <a:endParaRPr lang="zh-TW" altLang="en-US"/>
           </a:p>
         </p:txBody>
       </p:sp>
     </p:spTree>
-    <p:extLst>
-      <p:ext uri="{BB962C8B-B14F-4D97-AF65-F5344CB8AC3E}">
-        <p14:creationId xmlns:p14="http://schemas.microsoft.com/office/powerpoint/2010/main" val="812252004"/>
-      </p:ext>
-    </p:extLst>
   </p:cSld>
   <p:clrMapOvr>
     <a:masterClrMapping/>
@@ -1638,6 +1628,7 @@
               <a:rPr lang="zh-TW" altLang="en-US"/>
               <a:t>按一下以編輯母片文字樣式</a:t>
             </a:r>
+            <a:endParaRPr lang="zh-TW" altLang="en-US"/>
           </a:p>
         </p:txBody>
       </p:sp>
@@ -1682,6 +1673,7 @@
               <a:rPr lang="zh-TW" altLang="en-US"/>
               <a:t>按一下以編輯母片文字樣式</a:t>
             </a:r>
+            <a:endParaRPr lang="zh-TW" altLang="en-US"/>
           </a:p>
         </p:txBody>
       </p:sp>
@@ -1702,7 +1694,6 @@
           <a:p>
             <a:fld id="{8271B1B0-4A53-4C3A-9F94-79B5CEBFE18F}" type="datetimeFigureOut">
               <a:rPr lang="zh-TW" altLang="en-US" smtClean="0"/>
-              <a:t>2023/5/30</a:t>
             </a:fld>
             <a:endParaRPr lang="zh-TW" altLang="en-US"/>
           </a:p>
@@ -1831,7 +1822,6 @@
           <a:p>
             <a:fld id="{02944BBA-67B7-4BC8-98F6-B129BB0E29EF}" type="slidenum">
               <a:rPr lang="zh-TW" altLang="en-US" smtClean="0"/>
-              <a:t>‹#›</a:t>
             </a:fld>
             <a:endParaRPr lang="zh-TW" altLang="en-US"/>
           </a:p>
@@ -1868,10 +1858,20 @@
                   <a:schemeClr val="accent1"/>
                 </a:solidFill>
                 <a:effectLst/>
-                <a:latin typeface="Arial"/>
+                <a:latin typeface="Arial" panose="020B0604020202020204"/>
               </a:rPr>
               <a:t>“</a:t>
             </a:r>
+            <a:endParaRPr lang="en-US" sz="8000" baseline="0" dirty="0">
+              <a:ln w="3175" cmpd="sng">
+                <a:noFill/>
+              </a:ln>
+              <a:solidFill>
+                <a:schemeClr val="accent1"/>
+              </a:solidFill>
+              <a:effectLst/>
+              <a:latin typeface="Arial" panose="020B0604020202020204"/>
+            </a:endParaRPr>
           </a:p>
         </p:txBody>
       </p:sp>
@@ -1906,19 +1906,24 @@
                   <a:schemeClr val="accent1"/>
                 </a:solidFill>
                 <a:effectLst/>
-                <a:latin typeface="Arial"/>
+                <a:latin typeface="Arial" panose="020B0604020202020204"/>
               </a:rPr>
               <a:t>”</a:t>
             </a:r>
+            <a:endParaRPr lang="en-US" sz="8000" baseline="0" dirty="0">
+              <a:ln w="3175" cmpd="sng">
+                <a:noFill/>
+              </a:ln>
+              <a:solidFill>
+                <a:schemeClr val="accent1"/>
+              </a:solidFill>
+              <a:effectLst/>
+              <a:latin typeface="Arial" panose="020B0604020202020204"/>
+            </a:endParaRPr>
           </a:p>
         </p:txBody>
       </p:sp>
     </p:spTree>
-    <p:extLst>
-      <p:ext uri="{BB962C8B-B14F-4D97-AF65-F5344CB8AC3E}">
-        <p14:creationId xmlns:p14="http://schemas.microsoft.com/office/powerpoint/2010/main" val="637070234"/>
-      </p:ext>
-    </p:extLst>
   </p:cSld>
   <p:clrMapOvr>
     <a:masterClrMapping/>
@@ -2034,6 +2039,7 @@
               <a:rPr lang="zh-TW" altLang="en-US"/>
               <a:t>按一下以編輯母片文字樣式</a:t>
             </a:r>
+            <a:endParaRPr lang="zh-TW" altLang="en-US"/>
           </a:p>
         </p:txBody>
       </p:sp>
@@ -2078,6 +2084,7 @@
               <a:rPr lang="zh-TW" altLang="en-US"/>
               <a:t>按一下以編輯母片文字樣式</a:t>
             </a:r>
+            <a:endParaRPr lang="zh-TW" altLang="en-US"/>
           </a:p>
         </p:txBody>
       </p:sp>
@@ -2098,7 +2105,6 @@
           <a:p>
             <a:fld id="{8271B1B0-4A53-4C3A-9F94-79B5CEBFE18F}" type="datetimeFigureOut">
               <a:rPr lang="zh-TW" altLang="en-US" smtClean="0"/>
-              <a:t>2023/5/30</a:t>
             </a:fld>
             <a:endParaRPr lang="zh-TW" altLang="en-US"/>
           </a:p>
@@ -2227,18 +2233,12 @@
           <a:p>
             <a:fld id="{02944BBA-67B7-4BC8-98F6-B129BB0E29EF}" type="slidenum">
               <a:rPr lang="zh-TW" altLang="en-US" smtClean="0"/>
-              <a:t>‹#›</a:t>
             </a:fld>
             <a:endParaRPr lang="zh-TW" altLang="en-US"/>
           </a:p>
         </p:txBody>
       </p:sp>
     </p:spTree>
-    <p:extLst>
-      <p:ext uri="{BB962C8B-B14F-4D97-AF65-F5344CB8AC3E}">
-        <p14:creationId xmlns:p14="http://schemas.microsoft.com/office/powerpoint/2010/main" val="622279887"/>
-      </p:ext>
-    </p:extLst>
   </p:cSld>
   <p:clrMapOvr>
     <a:masterClrMapping/>
@@ -2306,6 +2306,7 @@
               <a:rPr lang="zh-TW" altLang="en-US"/>
               <a:t>按一下以編輯母片文字樣式</a:t>
             </a:r>
+            <a:endParaRPr lang="zh-TW" altLang="en-US"/>
           </a:p>
           <a:p>
             <a:pPr lvl="1"/>
@@ -2313,6 +2314,7 @@
               <a:rPr lang="zh-TW" altLang="en-US"/>
               <a:t>第二層</a:t>
             </a:r>
+            <a:endParaRPr lang="zh-TW" altLang="en-US"/>
           </a:p>
           <a:p>
             <a:pPr lvl="2"/>
@@ -2320,6 +2322,7 @@
               <a:rPr lang="zh-TW" altLang="en-US"/>
               <a:t>第三層</a:t>
             </a:r>
+            <a:endParaRPr lang="zh-TW" altLang="en-US"/>
           </a:p>
           <a:p>
             <a:pPr lvl="3"/>
@@ -2327,6 +2330,7 @@
               <a:rPr lang="zh-TW" altLang="en-US"/>
               <a:t>第四層</a:t>
             </a:r>
+            <a:endParaRPr lang="zh-TW" altLang="en-US"/>
           </a:p>
           <a:p>
             <a:pPr lvl="4"/>
@@ -2355,7 +2359,6 @@
           <a:p>
             <a:fld id="{8271B1B0-4A53-4C3A-9F94-79B5CEBFE18F}" type="datetimeFigureOut">
               <a:rPr lang="zh-TW" altLang="en-US" smtClean="0"/>
-              <a:t>2023/5/30</a:t>
             </a:fld>
             <a:endParaRPr lang="zh-TW" altLang="en-US"/>
           </a:p>
@@ -2479,18 +2482,12 @@
           <a:p>
             <a:fld id="{02944BBA-67B7-4BC8-98F6-B129BB0E29EF}" type="slidenum">
               <a:rPr lang="zh-TW" altLang="en-US" smtClean="0"/>
-              <a:t>‹#›</a:t>
             </a:fld>
             <a:endParaRPr lang="zh-TW" altLang="en-US"/>
           </a:p>
         </p:txBody>
       </p:sp>
     </p:spTree>
-    <p:extLst>
-      <p:ext uri="{BB962C8B-B14F-4D97-AF65-F5344CB8AC3E}">
-        <p14:creationId xmlns:p14="http://schemas.microsoft.com/office/powerpoint/2010/main" val="671868137"/>
-      </p:ext>
-    </p:extLst>
   </p:cSld>
   <p:clrMapOvr>
     <a:masterClrMapping/>
@@ -2568,6 +2565,7 @@
               <a:rPr lang="zh-TW" altLang="en-US"/>
               <a:t>按一下以編輯母片文字樣式</a:t>
             </a:r>
+            <a:endParaRPr lang="zh-TW" altLang="en-US"/>
           </a:p>
           <a:p>
             <a:pPr lvl="1"/>
@@ -2575,6 +2573,7 @@
               <a:rPr lang="zh-TW" altLang="en-US"/>
               <a:t>第二層</a:t>
             </a:r>
+            <a:endParaRPr lang="zh-TW" altLang="en-US"/>
           </a:p>
           <a:p>
             <a:pPr lvl="2"/>
@@ -2582,6 +2581,7 @@
               <a:rPr lang="zh-TW" altLang="en-US"/>
               <a:t>第三層</a:t>
             </a:r>
+            <a:endParaRPr lang="zh-TW" altLang="en-US"/>
           </a:p>
           <a:p>
             <a:pPr lvl="3"/>
@@ -2589,6 +2589,7 @@
               <a:rPr lang="zh-TW" altLang="en-US"/>
               <a:t>第四層</a:t>
             </a:r>
+            <a:endParaRPr lang="zh-TW" altLang="en-US"/>
           </a:p>
           <a:p>
             <a:pPr lvl="4"/>
@@ -2617,7 +2618,6 @@
           <a:p>
             <a:fld id="{8271B1B0-4A53-4C3A-9F94-79B5CEBFE18F}" type="datetimeFigureOut">
               <a:rPr lang="zh-TW" altLang="en-US" smtClean="0"/>
-              <a:t>2023/5/30</a:t>
             </a:fld>
             <a:endParaRPr lang="zh-TW" altLang="en-US"/>
           </a:p>
@@ -2741,18 +2741,12 @@
           <a:p>
             <a:fld id="{02944BBA-67B7-4BC8-98F6-B129BB0E29EF}" type="slidenum">
               <a:rPr lang="zh-TW" altLang="en-US" smtClean="0"/>
-              <a:t>‹#›</a:t>
             </a:fld>
             <a:endParaRPr lang="zh-TW" altLang="en-US"/>
           </a:p>
         </p:txBody>
       </p:sp>
     </p:spTree>
-    <p:extLst>
-      <p:ext uri="{BB962C8B-B14F-4D97-AF65-F5344CB8AC3E}">
-        <p14:creationId xmlns:p14="http://schemas.microsoft.com/office/powerpoint/2010/main" val="1838306164"/>
-      </p:ext>
-    </p:extLst>
   </p:cSld>
   <p:clrMapOvr>
     <a:masterClrMapping/>
@@ -2830,6 +2824,7 @@
               <a:rPr lang="zh-TW" altLang="en-US"/>
               <a:t>按一下以編輯母片文字樣式</a:t>
             </a:r>
+            <a:endParaRPr lang="zh-TW" altLang="en-US"/>
           </a:p>
           <a:p>
             <a:pPr lvl="1"/>
@@ -2837,6 +2832,7 @@
               <a:rPr lang="zh-TW" altLang="en-US"/>
               <a:t>第二層</a:t>
             </a:r>
+            <a:endParaRPr lang="zh-TW" altLang="en-US"/>
           </a:p>
           <a:p>
             <a:pPr lvl="2"/>
@@ -2844,6 +2840,7 @@
               <a:rPr lang="zh-TW" altLang="en-US"/>
               <a:t>第三層</a:t>
             </a:r>
+            <a:endParaRPr lang="zh-TW" altLang="en-US"/>
           </a:p>
           <a:p>
             <a:pPr lvl="3"/>
@@ -2851,6 +2848,7 @@
               <a:rPr lang="zh-TW" altLang="en-US"/>
               <a:t>第四層</a:t>
             </a:r>
+            <a:endParaRPr lang="zh-TW" altLang="en-US"/>
           </a:p>
           <a:p>
             <a:pPr lvl="4"/>
@@ -2879,7 +2877,6 @@
           <a:p>
             <a:fld id="{8271B1B0-4A53-4C3A-9F94-79B5CEBFE18F}" type="datetimeFigureOut">
               <a:rPr lang="zh-TW" altLang="en-US" smtClean="0"/>
-              <a:t>2023/5/30</a:t>
             </a:fld>
             <a:endParaRPr lang="zh-TW" altLang="en-US"/>
           </a:p>
@@ -3003,18 +3000,12 @@
           <a:p>
             <a:fld id="{02944BBA-67B7-4BC8-98F6-B129BB0E29EF}" type="slidenum">
               <a:rPr lang="zh-TW" altLang="en-US" smtClean="0"/>
-              <a:t>‹#›</a:t>
             </a:fld>
             <a:endParaRPr lang="zh-TW" altLang="en-US"/>
           </a:p>
         </p:txBody>
       </p:sp>
     </p:spTree>
-    <p:extLst>
-      <p:ext uri="{BB962C8B-B14F-4D97-AF65-F5344CB8AC3E}">
-        <p14:creationId xmlns:p14="http://schemas.microsoft.com/office/powerpoint/2010/main" val="2209374410"/>
-      </p:ext>
-    </p:extLst>
   </p:cSld>
   <p:clrMapOvr>
     <a:masterClrMapping/>
@@ -3188,6 +3179,7 @@
               <a:rPr lang="zh-TW" altLang="en-US"/>
               <a:t>按一下以編輯母片文字樣式</a:t>
             </a:r>
+            <a:endParaRPr lang="zh-TW" altLang="en-US"/>
           </a:p>
         </p:txBody>
       </p:sp>
@@ -3208,7 +3200,6 @@
           <a:p>
             <a:fld id="{8271B1B0-4A53-4C3A-9F94-79B5CEBFE18F}" type="datetimeFigureOut">
               <a:rPr lang="zh-TW" altLang="en-US" smtClean="0"/>
-              <a:t>2023/5/30</a:t>
             </a:fld>
             <a:endParaRPr lang="zh-TW" altLang="en-US"/>
           </a:p>
@@ -3337,18 +3328,12 @@
           <a:p>
             <a:fld id="{02944BBA-67B7-4BC8-98F6-B129BB0E29EF}" type="slidenum">
               <a:rPr lang="zh-TW" altLang="en-US" smtClean="0"/>
-              <a:t>‹#›</a:t>
             </a:fld>
             <a:endParaRPr lang="zh-TW" altLang="en-US"/>
           </a:p>
         </p:txBody>
       </p:sp>
     </p:spTree>
-    <p:extLst>
-      <p:ext uri="{BB962C8B-B14F-4D97-AF65-F5344CB8AC3E}">
-        <p14:creationId xmlns:p14="http://schemas.microsoft.com/office/powerpoint/2010/main" val="4132996755"/>
-      </p:ext>
-    </p:extLst>
   </p:cSld>
   <p:clrMapOvr>
     <a:masterClrMapping/>
@@ -3423,6 +3408,7 @@
               <a:rPr lang="zh-TW" altLang="en-US"/>
               <a:t>按一下以編輯母片文字樣式</a:t>
             </a:r>
+            <a:endParaRPr lang="zh-TW" altLang="en-US"/>
           </a:p>
           <a:p>
             <a:pPr lvl="1"/>
@@ -3430,6 +3416,7 @@
               <a:rPr lang="zh-TW" altLang="en-US"/>
               <a:t>第二層</a:t>
             </a:r>
+            <a:endParaRPr lang="zh-TW" altLang="en-US"/>
           </a:p>
           <a:p>
             <a:pPr lvl="2"/>
@@ -3437,6 +3424,7 @@
               <a:rPr lang="zh-TW" altLang="en-US"/>
               <a:t>第三層</a:t>
             </a:r>
+            <a:endParaRPr lang="zh-TW" altLang="en-US"/>
           </a:p>
           <a:p>
             <a:pPr lvl="3"/>
@@ -3444,6 +3432,7 @@
               <a:rPr lang="zh-TW" altLang="en-US"/>
               <a:t>第四層</a:t>
             </a:r>
+            <a:endParaRPr lang="zh-TW" altLang="en-US"/>
           </a:p>
           <a:p>
             <a:pPr lvl="4"/>
@@ -3482,6 +3471,7 @@
               <a:rPr lang="zh-TW" altLang="en-US"/>
               <a:t>按一下以編輯母片文字樣式</a:t>
             </a:r>
+            <a:endParaRPr lang="zh-TW" altLang="en-US"/>
           </a:p>
           <a:p>
             <a:pPr lvl="1"/>
@@ -3489,6 +3479,7 @@
               <a:rPr lang="zh-TW" altLang="en-US"/>
               <a:t>第二層</a:t>
             </a:r>
+            <a:endParaRPr lang="zh-TW" altLang="en-US"/>
           </a:p>
           <a:p>
             <a:pPr lvl="2"/>
@@ -3496,6 +3487,7 @@
               <a:rPr lang="zh-TW" altLang="en-US"/>
               <a:t>第三層</a:t>
             </a:r>
+            <a:endParaRPr lang="zh-TW" altLang="en-US"/>
           </a:p>
           <a:p>
             <a:pPr lvl="3"/>
@@ -3503,6 +3495,7 @@
               <a:rPr lang="zh-TW" altLang="en-US"/>
               <a:t>第四層</a:t>
             </a:r>
+            <a:endParaRPr lang="zh-TW" altLang="en-US"/>
           </a:p>
           <a:p>
             <a:pPr lvl="4"/>
@@ -3531,7 +3524,6 @@
           <a:p>
             <a:fld id="{8271B1B0-4A53-4C3A-9F94-79B5CEBFE18F}" type="datetimeFigureOut">
               <a:rPr lang="zh-TW" altLang="en-US" smtClean="0"/>
-              <a:t>2023/5/30</a:t>
             </a:fld>
             <a:endParaRPr lang="zh-TW" altLang="en-US"/>
           </a:p>
@@ -3660,18 +3652,12 @@
           <a:p>
             <a:fld id="{02944BBA-67B7-4BC8-98F6-B129BB0E29EF}" type="slidenum">
               <a:rPr lang="zh-TW" altLang="en-US" smtClean="0"/>
-              <a:t>‹#›</a:t>
             </a:fld>
             <a:endParaRPr lang="zh-TW" altLang="en-US"/>
           </a:p>
         </p:txBody>
       </p:sp>
     </p:spTree>
-    <p:extLst>
-      <p:ext uri="{BB962C8B-B14F-4D97-AF65-F5344CB8AC3E}">
-        <p14:creationId xmlns:p14="http://schemas.microsoft.com/office/powerpoint/2010/main" val="3056534799"/>
-      </p:ext>
-    </p:extLst>
   </p:cSld>
   <p:clrMapOvr>
     <a:masterClrMapping/>
@@ -3783,6 +3769,7 @@
               <a:rPr lang="zh-TW" altLang="en-US"/>
               <a:t>按一下以編輯母片文字樣式</a:t>
             </a:r>
+            <a:endParaRPr lang="zh-TW" altLang="en-US"/>
           </a:p>
         </p:txBody>
       </p:sp>
@@ -3813,6 +3800,7 @@
               <a:rPr lang="zh-TW" altLang="en-US"/>
               <a:t>按一下以編輯母片文字樣式</a:t>
             </a:r>
+            <a:endParaRPr lang="zh-TW" altLang="en-US"/>
           </a:p>
           <a:p>
             <a:pPr lvl="1"/>
@@ -3820,6 +3808,7 @@
               <a:rPr lang="zh-TW" altLang="en-US"/>
               <a:t>第二層</a:t>
             </a:r>
+            <a:endParaRPr lang="zh-TW" altLang="en-US"/>
           </a:p>
           <a:p>
             <a:pPr lvl="2"/>
@@ -3827,6 +3816,7 @@
               <a:rPr lang="zh-TW" altLang="en-US"/>
               <a:t>第三層</a:t>
             </a:r>
+            <a:endParaRPr lang="zh-TW" altLang="en-US"/>
           </a:p>
           <a:p>
             <a:pPr lvl="3"/>
@@ -3834,6 +3824,7 @@
               <a:rPr lang="zh-TW" altLang="en-US"/>
               <a:t>第四層</a:t>
             </a:r>
+            <a:endParaRPr lang="zh-TW" altLang="en-US"/>
           </a:p>
           <a:p>
             <a:pPr lvl="4"/>
@@ -3909,6 +3900,7 @@
               <a:rPr lang="zh-TW" altLang="en-US"/>
               <a:t>按一下以編輯母片文字樣式</a:t>
             </a:r>
+            <a:endParaRPr lang="zh-TW" altLang="en-US"/>
           </a:p>
         </p:txBody>
       </p:sp>
@@ -3939,6 +3931,7 @@
               <a:rPr lang="zh-TW" altLang="en-US"/>
               <a:t>按一下以編輯母片文字樣式</a:t>
             </a:r>
+            <a:endParaRPr lang="zh-TW" altLang="en-US"/>
           </a:p>
           <a:p>
             <a:pPr lvl="1"/>
@@ -3946,6 +3939,7 @@
               <a:rPr lang="zh-TW" altLang="en-US"/>
               <a:t>第二層</a:t>
             </a:r>
+            <a:endParaRPr lang="zh-TW" altLang="en-US"/>
           </a:p>
           <a:p>
             <a:pPr lvl="2"/>
@@ -3953,6 +3947,7 @@
               <a:rPr lang="zh-TW" altLang="en-US"/>
               <a:t>第三層</a:t>
             </a:r>
+            <a:endParaRPr lang="zh-TW" altLang="en-US"/>
           </a:p>
           <a:p>
             <a:pPr lvl="3"/>
@@ -3960,6 +3955,7 @@
               <a:rPr lang="zh-TW" altLang="en-US"/>
               <a:t>第四層</a:t>
             </a:r>
+            <a:endParaRPr lang="zh-TW" altLang="en-US"/>
           </a:p>
           <a:p>
             <a:pPr lvl="4"/>
@@ -3988,7 +3984,6 @@
           <a:p>
             <a:fld id="{8271B1B0-4A53-4C3A-9F94-79B5CEBFE18F}" type="datetimeFigureOut">
               <a:rPr lang="zh-TW" altLang="en-US" smtClean="0"/>
-              <a:t>2023/5/30</a:t>
             </a:fld>
             <a:endParaRPr lang="zh-TW" altLang="en-US"/>
           </a:p>
@@ -4117,18 +4112,12 @@
           <a:p>
             <a:fld id="{02944BBA-67B7-4BC8-98F6-B129BB0E29EF}" type="slidenum">
               <a:rPr lang="zh-TW" altLang="en-US" smtClean="0"/>
-              <a:t>‹#›</a:t>
             </a:fld>
             <a:endParaRPr lang="zh-TW" altLang="en-US"/>
           </a:p>
         </p:txBody>
       </p:sp>
     </p:spTree>
-    <p:extLst>
-      <p:ext uri="{BB962C8B-B14F-4D97-AF65-F5344CB8AC3E}">
-        <p14:creationId xmlns:p14="http://schemas.microsoft.com/office/powerpoint/2010/main" val="442969053"/>
-      </p:ext>
-    </p:extLst>
   </p:cSld>
   <p:clrMapOvr>
     <a:masterClrMapping/>
@@ -4193,7 +4182,6 @@
           <a:p>
             <a:fld id="{8271B1B0-4A53-4C3A-9F94-79B5CEBFE18F}" type="datetimeFigureOut">
               <a:rPr lang="zh-TW" altLang="en-US" smtClean="0"/>
-              <a:t>2023/5/30</a:t>
             </a:fld>
             <a:endParaRPr lang="zh-TW" altLang="en-US"/>
           </a:p>
@@ -4317,18 +4305,12 @@
           <a:p>
             <a:fld id="{02944BBA-67B7-4BC8-98F6-B129BB0E29EF}" type="slidenum">
               <a:rPr lang="zh-TW" altLang="en-US" smtClean="0"/>
-              <a:t>‹#›</a:t>
             </a:fld>
             <a:endParaRPr lang="zh-TW" altLang="en-US"/>
           </a:p>
         </p:txBody>
       </p:sp>
     </p:spTree>
-    <p:extLst>
-      <p:ext uri="{BB962C8B-B14F-4D97-AF65-F5344CB8AC3E}">
-        <p14:creationId xmlns:p14="http://schemas.microsoft.com/office/powerpoint/2010/main" val="2433457402"/>
-      </p:ext>
-    </p:extLst>
   </p:cSld>
   <p:clrMapOvr>
     <a:masterClrMapping/>
@@ -4370,7 +4352,6 @@
           <a:p>
             <a:fld id="{8271B1B0-4A53-4C3A-9F94-79B5CEBFE18F}" type="datetimeFigureOut">
               <a:rPr lang="zh-TW" altLang="en-US" smtClean="0"/>
-              <a:t>2023/5/30</a:t>
             </a:fld>
             <a:endParaRPr lang="zh-TW" altLang="en-US"/>
           </a:p>
@@ -4494,18 +4475,12 @@
           <a:p>
             <a:fld id="{02944BBA-67B7-4BC8-98F6-B129BB0E29EF}" type="slidenum">
               <a:rPr lang="zh-TW" altLang="en-US" smtClean="0"/>
-              <a:t>‹#›</a:t>
             </a:fld>
             <a:endParaRPr lang="zh-TW" altLang="en-US"/>
           </a:p>
         </p:txBody>
       </p:sp>
     </p:spTree>
-    <p:extLst>
-      <p:ext uri="{BB962C8B-B14F-4D97-AF65-F5344CB8AC3E}">
-        <p14:creationId xmlns:p14="http://schemas.microsoft.com/office/powerpoint/2010/main" val="3860469350"/>
-      </p:ext>
-    </p:extLst>
   </p:cSld>
   <p:clrMapOvr>
     <a:masterClrMapping/>
@@ -4589,6 +4564,7 @@
               <a:rPr lang="zh-TW" altLang="en-US"/>
               <a:t>按一下以編輯母片文字樣式</a:t>
             </a:r>
+            <a:endParaRPr lang="zh-TW" altLang="en-US"/>
           </a:p>
           <a:p>
             <a:pPr lvl="1"/>
@@ -4596,6 +4572,7 @@
               <a:rPr lang="zh-TW" altLang="en-US"/>
               <a:t>第二層</a:t>
             </a:r>
+            <a:endParaRPr lang="zh-TW" altLang="en-US"/>
           </a:p>
           <a:p>
             <a:pPr lvl="2"/>
@@ -4603,6 +4580,7 @@
               <a:rPr lang="zh-TW" altLang="en-US"/>
               <a:t>第三層</a:t>
             </a:r>
+            <a:endParaRPr lang="zh-TW" altLang="en-US"/>
           </a:p>
           <a:p>
             <a:pPr lvl="3"/>
@@ -4610,6 +4588,7 @@
               <a:rPr lang="zh-TW" altLang="en-US"/>
               <a:t>第四層</a:t>
             </a:r>
+            <a:endParaRPr lang="zh-TW" altLang="en-US"/>
           </a:p>
           <a:p>
             <a:pPr lvl="4"/>
@@ -4683,6 +4662,7 @@
               <a:rPr lang="zh-TW" altLang="en-US"/>
               <a:t>按一下以編輯母片文字樣式</a:t>
             </a:r>
+            <a:endParaRPr lang="zh-TW" altLang="en-US"/>
           </a:p>
         </p:txBody>
       </p:sp>
@@ -4703,7 +4683,6 @@
           <a:p>
             <a:fld id="{8271B1B0-4A53-4C3A-9F94-79B5CEBFE18F}" type="datetimeFigureOut">
               <a:rPr lang="zh-TW" altLang="en-US" smtClean="0"/>
-              <a:t>2023/5/30</a:t>
             </a:fld>
             <a:endParaRPr lang="zh-TW" altLang="en-US"/>
           </a:p>
@@ -4827,18 +4806,12 @@
           <a:p>
             <a:fld id="{02944BBA-67B7-4BC8-98F6-B129BB0E29EF}" type="slidenum">
               <a:rPr lang="zh-TW" altLang="en-US" smtClean="0"/>
-              <a:t>‹#›</a:t>
             </a:fld>
             <a:endParaRPr lang="zh-TW" altLang="en-US"/>
           </a:p>
         </p:txBody>
       </p:sp>
     </p:spTree>
-    <p:extLst>
-      <p:ext uri="{BB962C8B-B14F-4D97-AF65-F5344CB8AC3E}">
-        <p14:creationId xmlns:p14="http://schemas.microsoft.com/office/powerpoint/2010/main" val="3011337751"/>
-      </p:ext>
-    </p:extLst>
   </p:cSld>
   <p:clrMapOvr>
     <a:masterClrMapping/>
@@ -5028,6 +5001,7 @@
               <a:rPr lang="zh-TW" altLang="en-US"/>
               <a:t>按一下以編輯母片文字樣式</a:t>
             </a:r>
+            <a:endParaRPr lang="zh-TW" altLang="en-US"/>
           </a:p>
         </p:txBody>
       </p:sp>
@@ -5048,7 +5022,6 @@
           <a:p>
             <a:fld id="{8271B1B0-4A53-4C3A-9F94-79B5CEBFE18F}" type="datetimeFigureOut">
               <a:rPr lang="zh-TW" altLang="en-US" smtClean="0"/>
-              <a:t>2023/5/30</a:t>
             </a:fld>
             <a:endParaRPr lang="zh-TW" altLang="en-US"/>
           </a:p>
@@ -5177,18 +5150,12 @@
           <a:p>
             <a:fld id="{02944BBA-67B7-4BC8-98F6-B129BB0E29EF}" type="slidenum">
               <a:rPr lang="zh-TW" altLang="en-US" smtClean="0"/>
-              <a:t>‹#›</a:t>
             </a:fld>
             <a:endParaRPr lang="zh-TW" altLang="en-US"/>
           </a:p>
         </p:txBody>
       </p:sp>
     </p:spTree>
-    <p:extLst>
-      <p:ext uri="{BB962C8B-B14F-4D97-AF65-F5344CB8AC3E}">
-        <p14:creationId xmlns:p14="http://schemas.microsoft.com/office/powerpoint/2010/main" val="860730467"/>
-      </p:ext>
-    </p:extLst>
   </p:cSld>
   <p:clrMapOvr>
     <a:masterClrMapping/>
@@ -7098,6 +7065,7 @@
               <a:rPr lang="zh-TW" altLang="en-US"/>
               <a:t>按一下以編輯母片文字樣式</a:t>
             </a:r>
+            <a:endParaRPr lang="zh-TW" altLang="en-US"/>
           </a:p>
           <a:p>
             <a:pPr lvl="1"/>
@@ -7105,6 +7073,7 @@
               <a:rPr lang="zh-TW" altLang="en-US"/>
               <a:t>第二層</a:t>
             </a:r>
+            <a:endParaRPr lang="zh-TW" altLang="en-US"/>
           </a:p>
           <a:p>
             <a:pPr lvl="2"/>
@@ -7112,6 +7081,7 @@
               <a:rPr lang="zh-TW" altLang="en-US"/>
               <a:t>第三層</a:t>
             </a:r>
+            <a:endParaRPr lang="zh-TW" altLang="en-US"/>
           </a:p>
           <a:p>
             <a:pPr lvl="3"/>
@@ -7119,6 +7089,7 @@
               <a:rPr lang="zh-TW" altLang="en-US"/>
               <a:t>第四層</a:t>
             </a:r>
+            <a:endParaRPr lang="zh-TW" altLang="en-US"/>
           </a:p>
           <a:p>
             <a:pPr lvl="4"/>
@@ -7165,7 +7136,6 @@
           <a:p>
             <a:fld id="{8271B1B0-4A53-4C3A-9F94-79B5CEBFE18F}" type="datetimeFigureOut">
               <a:rPr lang="zh-TW" altLang="en-US" smtClean="0"/>
-              <a:t>2023/5/30</a:t>
             </a:fld>
             <a:endParaRPr lang="zh-TW" altLang="en-US"/>
           </a:p>
@@ -7241,37 +7211,31 @@
           <a:p>
             <a:fld id="{02944BBA-67B7-4BC8-98F6-B129BB0E29EF}" type="slidenum">
               <a:rPr lang="zh-TW" altLang="en-US" smtClean="0"/>
-              <a:t>‹#›</a:t>
             </a:fld>
             <a:endParaRPr lang="zh-TW" altLang="en-US"/>
           </a:p>
         </p:txBody>
       </p:sp>
     </p:spTree>
-    <p:extLst>
-      <p:ext uri="{BB962C8B-B14F-4D97-AF65-F5344CB8AC3E}">
-        <p14:creationId xmlns:p14="http://schemas.microsoft.com/office/powerpoint/2010/main" val="2647344653"/>
-      </p:ext>
-    </p:extLst>
   </p:cSld>
   <p:clrMap bg1="lt1" tx1="dk1" bg2="lt2" tx2="dk2" accent1="accent1" accent2="accent2" accent3="accent3" accent4="accent4" accent5="accent5" accent6="accent6" hlink="hlink" folHlink="folHlink"/>
   <p:sldLayoutIdLst>
-    <p:sldLayoutId id="2147483678" r:id="rId1"/>
-    <p:sldLayoutId id="2147483679" r:id="rId2"/>
-    <p:sldLayoutId id="2147483680" r:id="rId3"/>
-    <p:sldLayoutId id="2147483681" r:id="rId4"/>
-    <p:sldLayoutId id="2147483682" r:id="rId5"/>
-    <p:sldLayoutId id="2147483683" r:id="rId6"/>
-    <p:sldLayoutId id="2147483684" r:id="rId7"/>
-    <p:sldLayoutId id="2147483685" r:id="rId8"/>
-    <p:sldLayoutId id="2147483686" r:id="rId9"/>
-    <p:sldLayoutId id="2147483687" r:id="rId10"/>
-    <p:sldLayoutId id="2147483688" r:id="rId11"/>
-    <p:sldLayoutId id="2147483689" r:id="rId12"/>
-    <p:sldLayoutId id="2147483690" r:id="rId13"/>
-    <p:sldLayoutId id="2147483691" r:id="rId14"/>
-    <p:sldLayoutId id="2147483692" r:id="rId15"/>
-    <p:sldLayoutId id="2147483693" r:id="rId16"/>
+    <p:sldLayoutId id="2147483649" r:id="rId1"/>
+    <p:sldLayoutId id="2147483650" r:id="rId2"/>
+    <p:sldLayoutId id="2147483651" r:id="rId3"/>
+    <p:sldLayoutId id="2147483652" r:id="rId4"/>
+    <p:sldLayoutId id="2147483653" r:id="rId5"/>
+    <p:sldLayoutId id="2147483654" r:id="rId6"/>
+    <p:sldLayoutId id="2147483655" r:id="rId7"/>
+    <p:sldLayoutId id="2147483656" r:id="rId8"/>
+    <p:sldLayoutId id="2147483657" r:id="rId9"/>
+    <p:sldLayoutId id="2147483658" r:id="rId10"/>
+    <p:sldLayoutId id="2147483659" r:id="rId11"/>
+    <p:sldLayoutId id="2147483660" r:id="rId12"/>
+    <p:sldLayoutId id="2147483661" r:id="rId13"/>
+    <p:sldLayoutId id="2147483662" r:id="rId14"/>
+    <p:sldLayoutId id="2147483663" r:id="rId15"/>
+    <p:sldLayoutId id="2147483664" r:id="rId16"/>
   </p:sldLayoutIdLst>
   <p:txStyles>
     <p:titleStyle>
@@ -7360,7 +7324,7 @@
         <a:buClr>
           <a:schemeClr val="accent1"/>
         </a:buClr>
-        <a:buFont typeface="Wingdings 3" charset="2"/>
+        <a:buFont typeface="Wingdings 3" panose="05040102010807070707" charset="2"/>
         <a:buChar char=""/>
         <a:defRPr sz="1800" kern="1200">
           <a:solidFill>
@@ -7384,7 +7348,7 @@
         <a:buClr>
           <a:schemeClr val="accent1"/>
         </a:buClr>
-        <a:buFont typeface="Wingdings 3" charset="2"/>
+        <a:buFont typeface="Wingdings 3" panose="05040102010807070707" charset="2"/>
         <a:buChar char=""/>
         <a:defRPr sz="1600" kern="1200">
           <a:solidFill>
@@ -7408,7 +7372,7 @@
         <a:buClr>
           <a:schemeClr val="accent1"/>
         </a:buClr>
-        <a:buFont typeface="Wingdings 3" charset="2"/>
+        <a:buFont typeface="Wingdings 3" panose="05040102010807070707" charset="2"/>
         <a:buChar char=""/>
         <a:defRPr sz="1400" kern="1200">
           <a:solidFill>
@@ -7432,7 +7396,7 @@
         <a:buClr>
           <a:schemeClr val="accent1"/>
         </a:buClr>
-        <a:buFont typeface="Wingdings 3" charset="2"/>
+        <a:buFont typeface="Wingdings 3" panose="05040102010807070707" charset="2"/>
         <a:buChar char=""/>
         <a:defRPr sz="1200" kern="1200">
           <a:solidFill>
@@ -7456,7 +7420,7 @@
         <a:buClr>
           <a:schemeClr val="accent1"/>
         </a:buClr>
-        <a:buFont typeface="Wingdings 3" charset="2"/>
+        <a:buFont typeface="Wingdings 3" panose="05040102010807070707" charset="2"/>
         <a:buChar char=""/>
         <a:defRPr sz="1200" kern="1200">
           <a:solidFill>
@@ -7480,7 +7444,7 @@
         <a:buClr>
           <a:schemeClr val="accent1"/>
         </a:buClr>
-        <a:buFont typeface="Wingdings 3" charset="2"/>
+        <a:buFont typeface="Wingdings 3" panose="05040102010807070707" charset="2"/>
         <a:buChar char=""/>
         <a:defRPr sz="1200" kern="1200">
           <a:solidFill>
@@ -7504,7 +7468,7 @@
         <a:buClr>
           <a:schemeClr val="accent1"/>
         </a:buClr>
-        <a:buFont typeface="Wingdings 3" charset="2"/>
+        <a:buFont typeface="Wingdings 3" panose="05040102010807070707" charset="2"/>
         <a:buChar char=""/>
         <a:defRPr sz="1200" kern="1200">
           <a:solidFill>
@@ -7528,7 +7492,7 @@
         <a:buClr>
           <a:schemeClr val="accent1"/>
         </a:buClr>
-        <a:buFont typeface="Wingdings 3" charset="2"/>
+        <a:buFont typeface="Wingdings 3" panose="05040102010807070707" charset="2"/>
         <a:buChar char=""/>
         <a:defRPr sz="1200" kern="1200">
           <a:solidFill>
@@ -7552,7 +7516,7 @@
         <a:buClr>
           <a:schemeClr val="accent1"/>
         </a:buClr>
-        <a:buFont typeface="Wingdings 3" charset="2"/>
+        <a:buFont typeface="Wingdings 3" panose="05040102010807070707" charset="2"/>
         <a:buChar char=""/>
         <a:defRPr sz="1200" kern="1200">
           <a:solidFill>
@@ -7701,22 +7665,15 @@
           <a:lstStyle/>
           <a:p>
             <a:r>
-              <a:rPr lang="zh-TW" altLang="en-US" sz="4000" dirty="0">
-                <a:latin typeface="標楷體" panose="03000509000000000000" pitchFamily="65" charset="-120"/>
-                <a:ea typeface="標楷體" panose="03000509000000000000" pitchFamily="65" charset="-120"/>
-              </a:rPr>
-              <a:t>參考</a:t>
-            </a:r>
-            <a:r>
               <a:rPr lang="en-US" altLang="zh-TW" sz="4000" dirty="0">
-                <a:latin typeface="標楷體" panose="03000509000000000000" pitchFamily="65" charset="-120"/>
-                <a:ea typeface="標楷體" panose="03000509000000000000" pitchFamily="65" charset="-120"/>
+                <a:latin typeface="微軟正黑體" panose="020B0604030504040204" charset="-120"/>
+                <a:ea typeface="微軟正黑體" panose="020B0604030504040204" charset="-120"/>
               </a:rPr>
               <a:t>API</a:t>
             </a:r>
             <a:endParaRPr lang="zh-TW" altLang="en-US" sz="4000" dirty="0">
-              <a:latin typeface="標楷體" panose="03000509000000000000" pitchFamily="65" charset="-120"/>
-              <a:ea typeface="標楷體" panose="03000509000000000000" pitchFamily="65" charset="-120"/>
+              <a:latin typeface="微軟正黑體" panose="020B0604030504040204" charset="-120"/>
+              <a:ea typeface="微軟正黑體" panose="020B0604030504040204" charset="-120"/>
             </a:endParaRPr>
           </a:p>
         </p:txBody>
@@ -7739,68 +7696,138 @@
           <a:lstStyle/>
           <a:p>
             <a:r>
-              <a:rPr lang="en-US" altLang="zh-TW" sz="2000" dirty="0">
+              <a:rPr lang="zh-TW" altLang="en-US" sz="2000" dirty="0">
                 <a:latin typeface="Times New Roman" panose="02020603050405020304" pitchFamily="18" charset="0"/>
                 <a:ea typeface="標楷體" panose="03000509000000000000" pitchFamily="65" charset="-120"/>
                 <a:cs typeface="Times New Roman" panose="02020603050405020304" pitchFamily="18" charset="0"/>
-                <a:hlinkClick r:id="rId2"/>
               </a:rPr>
-              <a:t>https://stackoverflow.com/questions/18124896/requesting-definitions-using-the-wordnik-api</a:t>
+              <a:t>參考</a:t>
             </a:r>
             <a:endParaRPr lang="en-US" altLang="zh-TW" sz="2000" dirty="0">
               <a:latin typeface="Times New Roman" panose="02020603050405020304" pitchFamily="18" charset="0"/>
               <a:ea typeface="標楷體" panose="03000509000000000000" pitchFamily="65" charset="-120"/>
               <a:cs typeface="Times New Roman" panose="02020603050405020304" pitchFamily="18" charset="0"/>
+              <a:hlinkClick r:id="rId1"/>
             </a:endParaRPr>
           </a:p>
           <a:p>
-            <a:endParaRPr lang="en-US" altLang="zh-TW" sz="2000" dirty="0">
+            <a:pPr lvl="1"/>
+            <a:r>
+              <a:rPr lang="en-US" altLang="zh-TW" sz="1775" dirty="0">
+                <a:latin typeface="Times New Roman" panose="02020603050405020304" pitchFamily="18" charset="0"/>
+                <a:ea typeface="標楷體" panose="03000509000000000000" pitchFamily="65" charset="-120"/>
+                <a:cs typeface="Times New Roman" panose="02020603050405020304" pitchFamily="18" charset="0"/>
+              </a:rPr>
+              <a:t>https://stackoverflow.com/questions/18124896/requesting-definitions-using-the-wordnik-api</a:t>
+            </a:r>
+            <a:endParaRPr lang="en-US" altLang="zh-TW" sz="1775" dirty="0">
               <a:latin typeface="Times New Roman" panose="02020603050405020304" pitchFamily="18" charset="0"/>
               <a:ea typeface="標楷體" panose="03000509000000000000" pitchFamily="65" charset="-120"/>
               <a:cs typeface="Times New Roman" panose="02020603050405020304" pitchFamily="18" charset="0"/>
             </a:endParaRPr>
           </a:p>
           <a:p>
-            <a:r>
-              <a:rPr lang="en-US" altLang="zh-TW" sz="2000" dirty="0">
+            <a:pPr lvl="1"/>
+            <a:r>
+              <a:rPr lang="en-US" altLang="zh-TW" sz="1775" dirty="0">
                 <a:latin typeface="Times New Roman" panose="02020603050405020304" pitchFamily="18" charset="0"/>
                 <a:ea typeface="標楷體" panose="03000509000000000000" pitchFamily="65" charset="-120"/>
                 <a:cs typeface="Times New Roman" panose="02020603050405020304" pitchFamily="18" charset="0"/>
-                <a:hlinkClick r:id="rId3"/>
               </a:rPr>
               <a:t>https://ithelp.ithome.com.tw/articles/10194237</a:t>
             </a:r>
-            <a:endParaRPr lang="en-US" altLang="zh-TW" sz="2000" dirty="0">
+            <a:endParaRPr lang="en-US" altLang="zh-TW" sz="1775" dirty="0">
               <a:latin typeface="Times New Roman" panose="02020603050405020304" pitchFamily="18" charset="0"/>
               <a:ea typeface="標楷體" panose="03000509000000000000" pitchFamily="65" charset="-120"/>
               <a:cs typeface="Times New Roman" panose="02020603050405020304" pitchFamily="18" charset="0"/>
             </a:endParaRPr>
           </a:p>
           <a:p>
-            <a:endParaRPr lang="en-US" altLang="zh-TW" sz="2000" dirty="0">
-              <a:latin typeface="Times New Roman" panose="02020603050405020304" pitchFamily="18" charset="0"/>
-              <a:ea typeface="標楷體" panose="03000509000000000000" pitchFamily="65" charset="-120"/>
-              <a:cs typeface="Times New Roman" panose="02020603050405020304" pitchFamily="18" charset="0"/>
-            </a:endParaRPr>
-          </a:p>
-          <a:p>
-            <a:r>
-              <a:rPr lang="en-US" altLang="zh-TW" sz="2000" dirty="0">
+            <a:pPr lvl="1"/>
+            <a:r>
+              <a:rPr lang="en-US" altLang="zh-TW" sz="1775" dirty="0">
                 <a:latin typeface="Times New Roman" panose="02020603050405020304" pitchFamily="18" charset="0"/>
                 <a:ea typeface="標楷體" panose="03000509000000000000" pitchFamily="65" charset="-120"/>
                 <a:cs typeface="Times New Roman" panose="02020603050405020304" pitchFamily="18" charset="0"/>
               </a:rPr>
               <a:t>https://rapidapi.com/blog/dictionary-apis/</a:t>
             </a:r>
+            <a:endParaRPr lang="en-US" altLang="zh-TW" sz="1775" dirty="0">
+              <a:latin typeface="Times New Roman" panose="02020603050405020304" pitchFamily="18" charset="0"/>
+              <a:ea typeface="標楷體" panose="03000509000000000000" pitchFamily="65" charset="-120"/>
+              <a:cs typeface="Times New Roman" panose="02020603050405020304" pitchFamily="18" charset="0"/>
+            </a:endParaRPr>
+          </a:p>
+          <a:p>
+            <a:pPr lvl="0"/>
+            <a:r>
+              <a:rPr lang="zh-TW" altLang="en-US" sz="1995" dirty="0">
+                <a:latin typeface="Times New Roman" panose="02020603050405020304" pitchFamily="18" charset="0"/>
+                <a:ea typeface="標楷體" panose="03000509000000000000" pitchFamily="65" charset="-120"/>
+                <a:cs typeface="Times New Roman" panose="02020603050405020304" pitchFamily="18" charset="0"/>
+              </a:rPr>
+              <a:t>實用</a:t>
+            </a:r>
+            <a:endParaRPr lang="zh-TW" altLang="en-US" sz="1995" dirty="0">
+              <a:latin typeface="Times New Roman" panose="02020603050405020304" pitchFamily="18" charset="0"/>
+              <a:ea typeface="標楷體" panose="03000509000000000000" pitchFamily="65" charset="-120"/>
+              <a:cs typeface="Times New Roman" panose="02020603050405020304" pitchFamily="18" charset="0"/>
+            </a:endParaRPr>
+          </a:p>
+          <a:p>
+            <a:pPr lvl="1"/>
+            <a:r>
+              <a:rPr lang="en-US" altLang="zh-TW" sz="1770" dirty="0">
+                <a:latin typeface="Times New Roman" panose="02020603050405020304" pitchFamily="18" charset="0"/>
+                <a:ea typeface="標楷體" panose="03000509000000000000" pitchFamily="65" charset="-120"/>
+                <a:cs typeface="Times New Roman" panose="02020603050405020304" pitchFamily="18" charset="0"/>
+                <a:sym typeface="+mn-ea"/>
+              </a:rPr>
+              <a:t>https://rapidapi.com/dpventures/api/wordsapi</a:t>
+            </a:r>
+            <a:endParaRPr lang="en-US" altLang="zh-TW" sz="1770" dirty="0">
+              <a:latin typeface="Times New Roman" panose="02020603050405020304" pitchFamily="18" charset="0"/>
+              <a:ea typeface="標楷體" panose="03000509000000000000" pitchFamily="65" charset="-120"/>
+              <a:cs typeface="Times New Roman" panose="02020603050405020304" pitchFamily="18" charset="0"/>
+            </a:endParaRPr>
+          </a:p>
+          <a:p>
+            <a:pPr lvl="1"/>
+            <a:r>
+              <a:rPr lang="en-US" altLang="zh-TW" sz="1770" dirty="0">
+                <a:latin typeface="Times New Roman" panose="02020603050405020304" pitchFamily="18" charset="0"/>
+                <a:ea typeface="標楷體" panose="03000509000000000000" pitchFamily="65" charset="-120"/>
+                <a:cs typeface="Times New Roman" panose="02020603050405020304" pitchFamily="18" charset="0"/>
+                <a:sym typeface="+mn-ea"/>
+              </a:rPr>
+              <a:t>https://www.wordsapi.com/</a:t>
+            </a:r>
+            <a:endParaRPr lang="en-US" altLang="zh-TW" sz="1770" dirty="0">
+              <a:latin typeface="Times New Roman" panose="02020603050405020304" pitchFamily="18" charset="0"/>
+              <a:ea typeface="標楷體" panose="03000509000000000000" pitchFamily="65" charset="-120"/>
+              <a:cs typeface="Times New Roman" panose="02020603050405020304" pitchFamily="18" charset="0"/>
+            </a:endParaRPr>
+          </a:p>
+          <a:p>
+            <a:pPr lvl="1"/>
+            <a:r>
+              <a:rPr lang="en-US" altLang="zh-TW" sz="1770" dirty="0">
+                <a:latin typeface="Times New Roman" panose="02020603050405020304" pitchFamily="18" charset="0"/>
+                <a:ea typeface="標楷體" panose="03000509000000000000" pitchFamily="65" charset="-120"/>
+                <a:cs typeface="Times New Roman" panose="02020603050405020304" pitchFamily="18" charset="0"/>
+                <a:sym typeface="+mn-ea"/>
+              </a:rPr>
+              <a:t>http://www.gwicks.net/dictionaries.htm</a:t>
+            </a:r>
+            <a:endParaRPr lang="zh-TW" altLang="en-US" sz="1770" dirty="0">
+              <a:latin typeface="Times New Roman" panose="02020603050405020304" pitchFamily="18" charset="0"/>
+              <a:ea typeface="標楷體" panose="03000509000000000000" pitchFamily="65" charset="-120"/>
+              <a:cs typeface="Times New Roman" panose="02020603050405020304" pitchFamily="18" charset="0"/>
+            </a:endParaRPr>
           </a:p>
         </p:txBody>
       </p:sp>
     </p:spTree>
-    <p:extLst>
-      <p:ext uri="{BB962C8B-B14F-4D97-AF65-F5344CB8AC3E}">
-        <p14:creationId xmlns:p14="http://schemas.microsoft.com/office/powerpoint/2010/main" val="2967766582"/>
-      </p:ext>
-    </p:extLst>
   </p:cSld>
   <p:clrMapOvr>
     <a:masterClrMapping/>
@@ -7837,35 +7864,16 @@
         </p:nvSpPr>
         <p:spPr/>
         <p:txBody>
-          <a:bodyPr>
-            <a:normAutofit/>
-          </a:bodyPr>
+          <a:bodyPr/>
           <a:lstStyle/>
           <a:p>
-            <a:r>
-              <a:rPr lang="zh-TW" altLang="en-US" sz="4000" dirty="0">
-                <a:latin typeface="標楷體" panose="03000509000000000000" pitchFamily="65" charset="-120"/>
-                <a:ea typeface="標楷體" panose="03000509000000000000" pitchFamily="65" charset="-120"/>
-              </a:rPr>
-              <a:t>實用</a:t>
-            </a:r>
-            <a:r>
-              <a:rPr lang="en-US" altLang="zh-TW" sz="4000" dirty="0">
-                <a:latin typeface="標楷體" panose="03000509000000000000" pitchFamily="65" charset="-120"/>
-                <a:ea typeface="標楷體" panose="03000509000000000000" pitchFamily="65" charset="-120"/>
-              </a:rPr>
-              <a:t>API</a:t>
-            </a:r>
-            <a:endParaRPr lang="zh-TW" altLang="en-US" sz="4000" dirty="0">
-              <a:latin typeface="標楷體" panose="03000509000000000000" pitchFamily="65" charset="-120"/>
-              <a:ea typeface="標楷體" panose="03000509000000000000" pitchFamily="65" charset="-120"/>
-            </a:endParaRPr>
-          </a:p>
-        </p:txBody>
-      </p:sp>
-      <p:sp>
-        <p:nvSpPr>
-          <p:cNvPr id="5" name="內容版面配置區 4"/>
+            <a:endParaRPr lang="zh-TW" altLang="en-US"/>
+          </a:p>
+        </p:txBody>
+      </p:sp>
+      <p:sp>
+        <p:nvSpPr>
+          <p:cNvPr id="3" name="內容版面配置區 2"/>
           <p:cNvSpPr>
             <a:spLocks noGrp="1"/>
           </p:cNvSpPr>
@@ -7875,48 +7883,86 @@
         </p:nvSpPr>
         <p:spPr/>
         <p:txBody>
-          <a:bodyPr>
-            <a:normAutofit/>
-          </a:bodyPr>
+          <a:bodyPr/>
           <a:lstStyle/>
           <a:p>
-            <a:r>
-              <a:rPr lang="en-US" altLang="zh-TW" sz="2000" dirty="0">
-                <a:latin typeface="Times New Roman" panose="02020603050405020304" pitchFamily="18" charset="0"/>
-                <a:ea typeface="標楷體" panose="03000509000000000000" pitchFamily="65" charset="-120"/>
-                <a:cs typeface="Times New Roman" panose="02020603050405020304" pitchFamily="18" charset="0"/>
-              </a:rPr>
-              <a:t>https://rapidapi.com/dpventures/api/wordsapi</a:t>
-            </a:r>
-          </a:p>
-          <a:p>
-            <a:r>
-              <a:rPr lang="en-US" altLang="zh-TW" sz="2000" dirty="0">
-                <a:latin typeface="Times New Roman" panose="02020603050405020304" pitchFamily="18" charset="0"/>
-                <a:ea typeface="標楷體" panose="03000509000000000000" pitchFamily="65" charset="-120"/>
-                <a:cs typeface="Times New Roman" panose="02020603050405020304" pitchFamily="18" charset="0"/>
-              </a:rPr>
-              <a:t>https://www.wordsapi.com/</a:t>
-            </a:r>
-          </a:p>
-          <a:p>
-            <a:r>
-              <a:rPr lang="en-US" altLang="zh-TW" sz="2000" dirty="0">
-                <a:latin typeface="Times New Roman" panose="02020603050405020304" pitchFamily="18" charset="0"/>
-                <a:ea typeface="標楷體" panose="03000509000000000000" pitchFamily="65" charset="-120"/>
-                <a:cs typeface="Times New Roman" panose="02020603050405020304" pitchFamily="18" charset="0"/>
-              </a:rPr>
-              <a:t>http://www.gwicks.net/dictionaries.htm</a:t>
-            </a:r>
-          </a:p>
-        </p:txBody>
-      </p:sp>
+            <a:endParaRPr lang="zh-TW" altLang="en-US"/>
+          </a:p>
+        </p:txBody>
+      </p:sp>
+      <p:pic>
+        <p:nvPicPr>
+          <p:cNvPr id="5" name="圖片 4"/>
+          <p:cNvPicPr>
+            <a:picLocks noChangeAspect="1"/>
+          </p:cNvPicPr>
+          <p:nvPr/>
+        </p:nvPicPr>
+        <p:blipFill>
+          <a:blip r:embed="rId1"/>
+          <a:stretch>
+            <a:fillRect/>
+          </a:stretch>
+        </p:blipFill>
+        <p:spPr>
+          <a:xfrm>
+            <a:off x="0" y="223693"/>
+            <a:ext cx="12192000" cy="4717279"/>
+          </a:xfrm>
+          <a:prstGeom prst="rect">
+            <a:avLst/>
+          </a:prstGeom>
+        </p:spPr>
+      </p:pic>
+      <p:pic>
+        <p:nvPicPr>
+          <p:cNvPr id="7" name="圖片 6"/>
+          <p:cNvPicPr>
+            <a:picLocks noChangeAspect="1"/>
+          </p:cNvPicPr>
+          <p:nvPr/>
+        </p:nvPicPr>
+        <p:blipFill>
+          <a:blip r:embed="rId2"/>
+          <a:stretch>
+            <a:fillRect/>
+          </a:stretch>
+        </p:blipFill>
+        <p:spPr>
+          <a:xfrm>
+            <a:off x="420158" y="3358522"/>
+            <a:ext cx="8629650" cy="2552700"/>
+          </a:xfrm>
+          <a:prstGeom prst="rect">
+            <a:avLst/>
+          </a:prstGeom>
+        </p:spPr>
+      </p:pic>
+      <p:pic>
+        <p:nvPicPr>
+          <p:cNvPr id="9" name="圖片 8"/>
+          <p:cNvPicPr>
+            <a:picLocks noChangeAspect="1"/>
+          </p:cNvPicPr>
+          <p:nvPr/>
+        </p:nvPicPr>
+        <p:blipFill>
+          <a:blip r:embed="rId3"/>
+          <a:stretch>
+            <a:fillRect/>
+          </a:stretch>
+        </p:blipFill>
+        <p:spPr>
+          <a:xfrm>
+            <a:off x="7457018" y="3829866"/>
+            <a:ext cx="4610100" cy="2505075"/>
+          </a:xfrm>
+          <a:prstGeom prst="rect">
+            <a:avLst/>
+          </a:prstGeom>
+        </p:spPr>
+      </p:pic>
     </p:spTree>
-    <p:extLst>
-      <p:ext uri="{BB962C8B-B14F-4D97-AF65-F5344CB8AC3E}">
-        <p14:creationId xmlns:p14="http://schemas.microsoft.com/office/powerpoint/2010/main" val="3302181844"/>
-      </p:ext>
-    </p:extLst>
   </p:cSld>
   <p:clrMapOvr>
     <a:masterClrMapping/>
@@ -7943,13 +7989,7 @@
       </p:grpSpPr>
       <p:sp>
         <p:nvSpPr>
-          <p:cNvPr id="2" name="標題 1">
-            <a:extLst>
-              <a:ext uri="{FF2B5EF4-FFF2-40B4-BE49-F238E27FC236}">
-                <a16:creationId xmlns:a16="http://schemas.microsoft.com/office/drawing/2014/main" id="{2B0B54E5-17A0-4BAA-AF0D-3B0B00014C2C}"/>
-              </a:ext>
-            </a:extLst>
-          </p:cNvPr>
+          <p:cNvPr id="2" name="標題 1"/>
           <p:cNvSpPr>
             <a:spLocks noGrp="1"/>
           </p:cNvSpPr>
@@ -7959,22 +7999,30 @@
         </p:nvSpPr>
         <p:spPr/>
         <p:txBody>
-          <a:bodyPr/>
+          <a:bodyPr>
+            <a:normAutofit/>
+          </a:bodyPr>
           <a:lstStyle/>
           <a:p>
-            <a:endParaRPr lang="zh-TW" altLang="en-US"/>
-          </a:p>
-        </p:txBody>
-      </p:sp>
-      <p:sp>
-        <p:nvSpPr>
-          <p:cNvPr id="3" name="內容版面配置區 2">
-            <a:extLst>
-              <a:ext uri="{FF2B5EF4-FFF2-40B4-BE49-F238E27FC236}">
-                <a16:creationId xmlns:a16="http://schemas.microsoft.com/office/drawing/2014/main" id="{023E86F6-A0CA-44F6-88EF-EC609791C73D}"/>
-              </a:ext>
-            </a:extLst>
-          </p:cNvPr>
+            <a:r>
+              <a:rPr lang="en-US" altLang="zh-TW" sz="4000" dirty="0">
+                <a:latin typeface="Times New Roman" panose="02020603050405020304" pitchFamily="18" charset="0"/>
+                <a:ea typeface="標楷體" panose="03000509000000000000" pitchFamily="65" charset="-120"/>
+                <a:cs typeface="Times New Roman" panose="02020603050405020304" pitchFamily="18" charset="0"/>
+              </a:rPr>
+              <a:t>Visual Studio</a:t>
+            </a:r>
+            <a:endParaRPr lang="zh-TW" altLang="en-US" sz="4000" dirty="0">
+              <a:latin typeface="Times New Roman" panose="02020603050405020304" pitchFamily="18" charset="0"/>
+              <a:ea typeface="標楷體" panose="03000509000000000000" pitchFamily="65" charset="-120"/>
+              <a:cs typeface="Times New Roman" panose="02020603050405020304" pitchFamily="18" charset="0"/>
+            </a:endParaRPr>
+          </a:p>
+        </p:txBody>
+      </p:sp>
+      <p:sp>
+        <p:nvSpPr>
+          <p:cNvPr id="3" name="內容版面配置區 2"/>
           <p:cNvSpPr>
             <a:spLocks noGrp="1"/>
           </p:cNvSpPr>
@@ -7984,97 +8032,107 @@
         </p:nvSpPr>
         <p:spPr/>
         <p:txBody>
-          <a:bodyPr/>
+          <a:bodyPr>
+            <a:normAutofit/>
+          </a:bodyPr>
           <a:lstStyle/>
           <a:p>
-            <a:endParaRPr lang="zh-TW" altLang="en-US"/>
+            <a:r>
+              <a:rPr lang="zh-TW" altLang="en-US" sz="2000" dirty="0">
+                <a:latin typeface="Times New Roman" panose="02020603050405020304" pitchFamily="18" charset="0"/>
+                <a:ea typeface="標楷體" panose="03000509000000000000" pitchFamily="65" charset="-120"/>
+                <a:cs typeface="Times New Roman" panose="02020603050405020304" pitchFamily="18" charset="0"/>
+              </a:rPr>
+              <a:t>熟悉開發環境</a:t>
+            </a:r>
+            <a:endParaRPr lang="en-US" altLang="zh-TW" sz="2000" dirty="0">
+              <a:latin typeface="Times New Roman" panose="02020603050405020304" pitchFamily="18" charset="0"/>
+              <a:ea typeface="標楷體" panose="03000509000000000000" pitchFamily="65" charset="-120"/>
+              <a:cs typeface="Times New Roman" panose="02020603050405020304" pitchFamily="18" charset="0"/>
+            </a:endParaRPr>
+          </a:p>
+          <a:p>
+            <a:r>
+              <a:rPr lang="zh-TW" altLang="en-US" sz="2000" dirty="0">
+                <a:latin typeface="Times New Roman" panose="02020603050405020304" pitchFamily="18" charset="0"/>
+                <a:ea typeface="標楷體" panose="03000509000000000000" pitchFamily="65" charset="-120"/>
+                <a:cs typeface="Times New Roman" panose="02020603050405020304" pitchFamily="18" charset="0"/>
+              </a:rPr>
+              <a:t>創建</a:t>
+            </a:r>
+            <a:r>
+              <a:rPr lang="en-US" altLang="zh-TW" sz="2000" dirty="0">
+                <a:latin typeface="Times New Roman" panose="02020603050405020304" pitchFamily="18" charset="0"/>
+                <a:ea typeface="標楷體" panose="03000509000000000000" pitchFamily="65" charset="-120"/>
+                <a:cs typeface="Times New Roman" panose="02020603050405020304" pitchFamily="18" charset="0"/>
+              </a:rPr>
+              <a:t>C#</a:t>
+            </a:r>
+            <a:r>
+              <a:rPr lang="zh-TW" altLang="en-US" sz="2000" dirty="0">
+                <a:latin typeface="Times New Roman" panose="02020603050405020304" pitchFamily="18" charset="0"/>
+                <a:ea typeface="標楷體" panose="03000509000000000000" pitchFamily="65" charset="-120"/>
+                <a:cs typeface="Times New Roman" panose="02020603050405020304" pitchFamily="18" charset="0"/>
+              </a:rPr>
+              <a:t>檔案</a:t>
+            </a:r>
+            <a:endParaRPr lang="en-US" altLang="zh-TW" sz="2000" dirty="0">
+              <a:latin typeface="Times New Roman" panose="02020603050405020304" pitchFamily="18" charset="0"/>
+              <a:ea typeface="標楷體" panose="03000509000000000000" pitchFamily="65" charset="-120"/>
+              <a:cs typeface="Times New Roman" panose="02020603050405020304" pitchFamily="18" charset="0"/>
+            </a:endParaRPr>
+          </a:p>
+          <a:p>
+            <a:r>
+              <a:rPr lang="zh-TW" altLang="en-US" sz="2000" dirty="0">
+                <a:latin typeface="Times New Roman" panose="02020603050405020304" pitchFamily="18" charset="0"/>
+                <a:ea typeface="標楷體" panose="03000509000000000000" pitchFamily="65" charset="-120"/>
+                <a:cs typeface="Times New Roman" panose="02020603050405020304" pitchFamily="18" charset="0"/>
+              </a:rPr>
+              <a:t>創建</a:t>
+            </a:r>
+            <a:r>
+              <a:rPr lang="en-US" altLang="zh-TW" sz="2000" dirty="0">
+                <a:latin typeface="Times New Roman" panose="02020603050405020304" pitchFamily="18" charset="0"/>
+                <a:ea typeface="標楷體" panose="03000509000000000000" pitchFamily="65" charset="-120"/>
+                <a:cs typeface="Times New Roman" panose="02020603050405020304" pitchFamily="18" charset="0"/>
+              </a:rPr>
+              <a:t>WPF</a:t>
+            </a:r>
+            <a:r>
+              <a:rPr lang="zh-TW" altLang="en-US" sz="2000" dirty="0">
+                <a:latin typeface="Times New Roman" panose="02020603050405020304" pitchFamily="18" charset="0"/>
+                <a:ea typeface="標楷體" panose="03000509000000000000" pitchFamily="65" charset="-120"/>
+                <a:cs typeface="Times New Roman" panose="02020603050405020304" pitchFamily="18" charset="0"/>
+              </a:rPr>
+              <a:t>檔案</a:t>
+            </a:r>
+            <a:endParaRPr lang="zh-TW" altLang="en-US" sz="2000" dirty="0">
+              <a:latin typeface="Times New Roman" panose="02020603050405020304" pitchFamily="18" charset="0"/>
+              <a:ea typeface="標楷體" panose="03000509000000000000" pitchFamily="65" charset="-120"/>
+              <a:cs typeface="Times New Roman" panose="02020603050405020304" pitchFamily="18" charset="0"/>
+            </a:endParaRPr>
           </a:p>
         </p:txBody>
       </p:sp>
       <p:pic>
         <p:nvPicPr>
-          <p:cNvPr id="5" name="圖片 4">
-            <a:extLst>
-              <a:ext uri="{FF2B5EF4-FFF2-40B4-BE49-F238E27FC236}">
-                <a16:creationId xmlns:a16="http://schemas.microsoft.com/office/drawing/2014/main" id="{7D3EA1F1-119A-44E8-983D-33DFCCDDFF84}"/>
-              </a:ext>
-            </a:extLst>
-          </p:cNvPr>
+          <p:cNvPr id="5" name="圖片 4"/>
           <p:cNvPicPr>
             <a:picLocks noChangeAspect="1"/>
           </p:cNvPicPr>
           <p:nvPr/>
         </p:nvPicPr>
         <p:blipFill>
-          <a:blip r:embed="rId2"/>
+          <a:blip r:embed="rId1"/>
           <a:stretch>
             <a:fillRect/>
           </a:stretch>
         </p:blipFill>
         <p:spPr>
           <a:xfrm>
-            <a:off x="0" y="223693"/>
-            <a:ext cx="12192000" cy="4717279"/>
-          </a:xfrm>
-          <a:prstGeom prst="rect">
-            <a:avLst/>
-          </a:prstGeom>
-        </p:spPr>
-      </p:pic>
-      <p:pic>
-        <p:nvPicPr>
-          <p:cNvPr id="7" name="圖片 6">
-            <a:extLst>
-              <a:ext uri="{FF2B5EF4-FFF2-40B4-BE49-F238E27FC236}">
-                <a16:creationId xmlns:a16="http://schemas.microsoft.com/office/drawing/2014/main" id="{9889D213-7460-4741-B4D5-CA3FE7879072}"/>
-              </a:ext>
-            </a:extLst>
-          </p:cNvPr>
-          <p:cNvPicPr>
-            <a:picLocks noChangeAspect="1"/>
-          </p:cNvPicPr>
-          <p:nvPr/>
-        </p:nvPicPr>
-        <p:blipFill>
-          <a:blip r:embed="rId3"/>
-          <a:stretch>
-            <a:fillRect/>
-          </a:stretch>
-        </p:blipFill>
-        <p:spPr>
-          <a:xfrm>
-            <a:off x="420158" y="3358522"/>
-            <a:ext cx="8629650" cy="2552700"/>
-          </a:xfrm>
-          <a:prstGeom prst="rect">
-            <a:avLst/>
-          </a:prstGeom>
-        </p:spPr>
-      </p:pic>
-      <p:pic>
-        <p:nvPicPr>
-          <p:cNvPr id="9" name="圖片 8">
-            <a:extLst>
-              <a:ext uri="{FF2B5EF4-FFF2-40B4-BE49-F238E27FC236}">
-                <a16:creationId xmlns:a16="http://schemas.microsoft.com/office/drawing/2014/main" id="{3248CAE5-81DC-4D97-89A8-2578CC53C674}"/>
-              </a:ext>
-            </a:extLst>
-          </p:cNvPr>
-          <p:cNvPicPr>
-            <a:picLocks noChangeAspect="1"/>
-          </p:cNvPicPr>
-          <p:nvPr/>
-        </p:nvPicPr>
-        <p:blipFill>
-          <a:blip r:embed="rId4"/>
-          <a:stretch>
-            <a:fillRect/>
-          </a:stretch>
-        </p:blipFill>
-        <p:spPr>
-          <a:xfrm>
-            <a:off x="7457018" y="3829866"/>
-            <a:ext cx="4610100" cy="2505075"/>
+            <a:off x="448056" y="1740408"/>
+            <a:ext cx="12192000" cy="4876800"/>
           </a:xfrm>
           <a:prstGeom prst="rect">
             <a:avLst/>
@@ -8082,11 +8140,6 @@
         </p:spPr>
       </p:pic>
     </p:spTree>
-    <p:extLst>
-      <p:ext uri="{BB962C8B-B14F-4D97-AF65-F5344CB8AC3E}">
-        <p14:creationId xmlns:p14="http://schemas.microsoft.com/office/powerpoint/2010/main" val="31537577"/>
-      </p:ext>
-    </p:extLst>
   </p:cSld>
   <p:clrMapOvr>
     <a:masterClrMapping/>
@@ -8113,13 +8166,7 @@
       </p:grpSpPr>
       <p:sp>
         <p:nvSpPr>
-          <p:cNvPr id="2" name="標題 1">
-            <a:extLst>
-              <a:ext uri="{FF2B5EF4-FFF2-40B4-BE49-F238E27FC236}">
-                <a16:creationId xmlns:a16="http://schemas.microsoft.com/office/drawing/2014/main" id="{07177F82-207C-4F3A-87CD-FC4AEC42CAA4}"/>
-              </a:ext>
-            </a:extLst>
-          </p:cNvPr>
+          <p:cNvPr id="2" name="標題 1"/>
           <p:cNvSpPr>
             <a:spLocks noGrp="1"/>
           </p:cNvSpPr>
@@ -8152,13 +8199,7 @@
       </p:sp>
       <p:sp>
         <p:nvSpPr>
-          <p:cNvPr id="3" name="內容版面配置區 2">
-            <a:extLst>
-              <a:ext uri="{FF2B5EF4-FFF2-40B4-BE49-F238E27FC236}">
-                <a16:creationId xmlns:a16="http://schemas.microsoft.com/office/drawing/2014/main" id="{BF5AC52B-3BE0-470C-8AE2-466A97156989}"/>
-              </a:ext>
-            </a:extLst>
-          </p:cNvPr>
+          <p:cNvPr id="3" name="內容版面配置區 2"/>
           <p:cNvSpPr>
             <a:spLocks noGrp="1"/>
           </p:cNvSpPr>
@@ -8173,103 +8214,31 @@
           </a:bodyPr>
           <a:lstStyle/>
           <a:p>
-            <a:r>
-              <a:rPr lang="zh-TW" altLang="en-US" sz="2000" dirty="0">
-                <a:latin typeface="Times New Roman" panose="02020603050405020304" pitchFamily="18" charset="0"/>
-                <a:ea typeface="標楷體" panose="03000509000000000000" pitchFamily="65" charset="-120"/>
-                <a:cs typeface="Times New Roman" panose="02020603050405020304" pitchFamily="18" charset="0"/>
-              </a:rPr>
-              <a:t>熟悉開發環境</a:t>
-            </a:r>
-            <a:endParaRPr lang="en-US" altLang="zh-TW" sz="2000" dirty="0">
-              <a:latin typeface="Times New Roman" panose="02020603050405020304" pitchFamily="18" charset="0"/>
+            <a:endParaRPr lang="zh-TW" altLang="en-US" sz="2000" dirty="0">
+              <a:latin typeface="標楷體" panose="03000509000000000000" pitchFamily="65" charset="-120"/>
               <a:ea typeface="標楷體" panose="03000509000000000000" pitchFamily="65" charset="-120"/>
-              <a:cs typeface="Times New Roman" panose="02020603050405020304" pitchFamily="18" charset="0"/>
             </a:endParaRPr>
-          </a:p>
-          <a:p>
-            <a:r>
-              <a:rPr lang="zh-TW" altLang="en-US" sz="2000" dirty="0">
-                <a:latin typeface="Times New Roman" panose="02020603050405020304" pitchFamily="18" charset="0"/>
-                <a:ea typeface="標楷體" panose="03000509000000000000" pitchFamily="65" charset="-120"/>
-                <a:cs typeface="Times New Roman" panose="02020603050405020304" pitchFamily="18" charset="0"/>
-              </a:rPr>
-              <a:t>創建</a:t>
-            </a:r>
-            <a:r>
-              <a:rPr lang="en-US" altLang="zh-TW" sz="2000" dirty="0">
-                <a:latin typeface="Times New Roman" panose="02020603050405020304" pitchFamily="18" charset="0"/>
-                <a:ea typeface="標楷體" panose="03000509000000000000" pitchFamily="65" charset="-120"/>
-                <a:cs typeface="Times New Roman" panose="02020603050405020304" pitchFamily="18" charset="0"/>
-              </a:rPr>
-              <a:t>C#</a:t>
-            </a:r>
-            <a:r>
-              <a:rPr lang="zh-TW" altLang="en-US" sz="2000" dirty="0">
-                <a:latin typeface="Times New Roman" panose="02020603050405020304" pitchFamily="18" charset="0"/>
-                <a:ea typeface="標楷體" panose="03000509000000000000" pitchFamily="65" charset="-120"/>
-                <a:cs typeface="Times New Roman" panose="02020603050405020304" pitchFamily="18" charset="0"/>
-              </a:rPr>
-              <a:t>檔案</a:t>
-            </a:r>
-            <a:endParaRPr lang="en-US" altLang="zh-TW" sz="2000" dirty="0">
-              <a:latin typeface="Times New Roman" panose="02020603050405020304" pitchFamily="18" charset="0"/>
-              <a:ea typeface="標楷體" panose="03000509000000000000" pitchFamily="65" charset="-120"/>
-              <a:cs typeface="Times New Roman" panose="02020603050405020304" pitchFamily="18" charset="0"/>
-            </a:endParaRPr>
-          </a:p>
-          <a:p>
-            <a:r>
-              <a:rPr lang="zh-TW" altLang="en-US" sz="2000" dirty="0">
-                <a:latin typeface="Times New Roman" panose="02020603050405020304" pitchFamily="18" charset="0"/>
-                <a:ea typeface="標楷體" panose="03000509000000000000" pitchFamily="65" charset="-120"/>
-                <a:cs typeface="Times New Roman" panose="02020603050405020304" pitchFamily="18" charset="0"/>
-              </a:rPr>
-              <a:t>創建</a:t>
-            </a:r>
-            <a:r>
-              <a:rPr lang="en-US" altLang="zh-TW" sz="2000" dirty="0">
-                <a:latin typeface="Times New Roman" panose="02020603050405020304" pitchFamily="18" charset="0"/>
-                <a:ea typeface="標楷體" panose="03000509000000000000" pitchFamily="65" charset="-120"/>
-                <a:cs typeface="Times New Roman" panose="02020603050405020304" pitchFamily="18" charset="0"/>
-              </a:rPr>
-              <a:t>WPF</a:t>
-            </a:r>
-            <a:r>
-              <a:rPr lang="zh-TW" altLang="en-US" sz="2000" dirty="0">
-                <a:latin typeface="Times New Roman" panose="02020603050405020304" pitchFamily="18" charset="0"/>
-                <a:ea typeface="標楷體" panose="03000509000000000000" pitchFamily="65" charset="-120"/>
-                <a:cs typeface="Times New Roman" panose="02020603050405020304" pitchFamily="18" charset="0"/>
-              </a:rPr>
-              <a:t>檔案</a:t>
-            </a:r>
           </a:p>
         </p:txBody>
       </p:sp>
       <p:pic>
         <p:nvPicPr>
-          <p:cNvPr id="5" name="圖片 4">
-            <a:extLst>
-              <a:ext uri="{FF2B5EF4-FFF2-40B4-BE49-F238E27FC236}">
-                <a16:creationId xmlns:a16="http://schemas.microsoft.com/office/drawing/2014/main" id="{9EB6D81D-6B09-4AA8-9018-E3DD33FAB841}"/>
-              </a:ext>
-            </a:extLst>
-          </p:cNvPr>
+          <p:cNvPr id="5" name="圖片 4"/>
           <p:cNvPicPr>
             <a:picLocks noChangeAspect="1"/>
           </p:cNvPicPr>
           <p:nvPr/>
         </p:nvPicPr>
         <p:blipFill>
-          <a:blip r:embed="rId2"/>
+          <a:blip r:embed="rId1"/>
           <a:stretch>
             <a:fillRect/>
           </a:stretch>
         </p:blipFill>
         <p:spPr>
           <a:xfrm>
-            <a:off x="448056" y="1740408"/>
-            <a:ext cx="12192000" cy="4876800"/>
+            <a:off x="4157091" y="2044072"/>
+            <a:ext cx="3676650" cy="3867150"/>
           </a:xfrm>
           <a:prstGeom prst="rect">
             <a:avLst/>
@@ -8277,11 +8246,6 @@
         </p:spPr>
       </p:pic>
     </p:spTree>
-    <p:extLst>
-      <p:ext uri="{BB962C8B-B14F-4D97-AF65-F5344CB8AC3E}">
-        <p14:creationId xmlns:p14="http://schemas.microsoft.com/office/powerpoint/2010/main" val="1658484874"/>
-      </p:ext>
-    </p:extLst>
   </p:cSld>
   <p:clrMapOvr>
     <a:masterClrMapping/>
@@ -8308,13 +8272,7 @@
       </p:grpSpPr>
       <p:sp>
         <p:nvSpPr>
-          <p:cNvPr id="2" name="標題 1">
-            <a:extLst>
-              <a:ext uri="{FF2B5EF4-FFF2-40B4-BE49-F238E27FC236}">
-                <a16:creationId xmlns:a16="http://schemas.microsoft.com/office/drawing/2014/main" id="{AD115A2D-DA2A-40BD-9645-43A8DE6E5EA5}"/>
-              </a:ext>
-            </a:extLst>
-          </p:cNvPr>
+          <p:cNvPr id="2" name="標題 1"/>
           <p:cNvSpPr>
             <a:spLocks noGrp="1"/>
           </p:cNvSpPr>
@@ -8345,45 +8303,33 @@
           </a:p>
         </p:txBody>
       </p:sp>
-      <p:sp>
-        <p:nvSpPr>
-          <p:cNvPr id="3" name="內容版面配置區 2">
-            <a:extLst>
-              <a:ext uri="{FF2B5EF4-FFF2-40B4-BE49-F238E27FC236}">
-                <a16:creationId xmlns:a16="http://schemas.microsoft.com/office/drawing/2014/main" id="{6C587B95-68DF-462D-98E0-61C308229860}"/>
-              </a:ext>
-            </a:extLst>
-          </p:cNvPr>
-          <p:cNvSpPr>
-            <a:spLocks noGrp="1"/>
-          </p:cNvSpPr>
-          <p:nvPr>
-            <p:ph idx="1"/>
-          </p:nvPr>
-        </p:nvSpPr>
-        <p:spPr/>
-        <p:txBody>
-          <a:bodyPr>
-            <a:normAutofit/>
-          </a:bodyPr>
-          <a:lstStyle/>
-          <a:p>
-            <a:endParaRPr lang="zh-TW" altLang="en-US" sz="2000" dirty="0">
-              <a:latin typeface="標楷體" panose="03000509000000000000" pitchFamily="65" charset="-120"/>
-              <a:ea typeface="標楷體" panose="03000509000000000000" pitchFamily="65" charset="-120"/>
-            </a:endParaRPr>
-          </a:p>
-        </p:txBody>
-      </p:sp>
       <p:pic>
         <p:nvPicPr>
-          <p:cNvPr id="5" name="圖片 4">
-            <a:extLst>
-              <a:ext uri="{FF2B5EF4-FFF2-40B4-BE49-F238E27FC236}">
-                <a16:creationId xmlns:a16="http://schemas.microsoft.com/office/drawing/2014/main" id="{8B97D739-39DC-44F2-819B-769850669154}"/>
-              </a:ext>
-            </a:extLst>
-          </p:cNvPr>
+          <p:cNvPr id="7" name="圖片 6"/>
+          <p:cNvPicPr>
+            <a:picLocks noChangeAspect="1"/>
+          </p:cNvPicPr>
+          <p:nvPr/>
+        </p:nvPicPr>
+        <p:blipFill>
+          <a:blip r:embed="rId1"/>
+          <a:stretch>
+            <a:fillRect/>
+          </a:stretch>
+        </p:blipFill>
+        <p:spPr>
+          <a:xfrm>
+            <a:off x="1344358" y="1800606"/>
+            <a:ext cx="6467475" cy="2324100"/>
+          </a:xfrm>
+          <a:prstGeom prst="rect">
+            <a:avLst/>
+          </a:prstGeom>
+        </p:spPr>
+      </p:pic>
+      <p:pic>
+        <p:nvPicPr>
+          <p:cNvPr id="9" name="圖片 8"/>
           <p:cNvPicPr>
             <a:picLocks noChangeAspect="1"/>
           </p:cNvPicPr>
@@ -8397,8 +8343,8 @@
         </p:blipFill>
         <p:spPr>
           <a:xfrm>
-            <a:off x="4157091" y="2044072"/>
-            <a:ext cx="3676650" cy="3867150"/>
+            <a:off x="4192333" y="4457700"/>
+            <a:ext cx="7239000" cy="1924050"/>
           </a:xfrm>
           <a:prstGeom prst="rect">
             <a:avLst/>
@@ -8406,11 +8352,6 @@
         </p:spPr>
       </p:pic>
     </p:spTree>
-    <p:extLst>
-      <p:ext uri="{BB962C8B-B14F-4D97-AF65-F5344CB8AC3E}">
-        <p14:creationId xmlns:p14="http://schemas.microsoft.com/office/powerpoint/2010/main" val="2036299777"/>
-      </p:ext>
-    </p:extLst>
   </p:cSld>
   <p:clrMapOvr>
     <a:masterClrMapping/>
@@ -8427,23 +8368,10 @@
         <p:cNvGrpSpPr/>
         <p:nvPr/>
       </p:nvGrpSpPr>
-      <p:grpSpPr>
-        <a:xfrm>
-          <a:off x="0" y="0"/>
-          <a:ext cx="0" cy="0"/>
-          <a:chOff x="0" y="0"/>
-          <a:chExt cx="0" cy="0"/>
-        </a:xfrm>
-      </p:grpSpPr>
-      <p:sp>
-        <p:nvSpPr>
-          <p:cNvPr id="2" name="標題 1">
-            <a:extLst>
-              <a:ext uri="{FF2B5EF4-FFF2-40B4-BE49-F238E27FC236}">
-                <a16:creationId xmlns:a16="http://schemas.microsoft.com/office/drawing/2014/main" id="{CB5B8F4E-E2BE-41EB-BA29-2410A557861D}"/>
-              </a:ext>
-            </a:extLst>
-          </p:cNvPr>
+      <p:grpSpPr/>
+      <p:sp>
+        <p:nvSpPr>
+          <p:cNvPr id="2" name="Title 1"/>
           <p:cNvSpPr>
             <a:spLocks noGrp="1"/>
           </p:cNvSpPr>
@@ -8453,93 +8381,135 @@
         </p:nvSpPr>
         <p:spPr/>
         <p:txBody>
-          <a:bodyPr>
-            <a:normAutofit/>
-          </a:bodyPr>
-          <a:lstStyle/>
-          <a:p>
-            <a:r>
-              <a:rPr lang="en-US" altLang="zh-TW" sz="4000" dirty="0">
-                <a:latin typeface="Times New Roman" panose="02020603050405020304" pitchFamily="18" charset="0"/>
-                <a:ea typeface="標楷體" panose="03000509000000000000" pitchFamily="65" charset="-120"/>
-                <a:cs typeface="Times New Roman" panose="02020603050405020304" pitchFamily="18" charset="0"/>
+          <a:bodyPr/>
+          <a:p>
+            <a:r>
+              <a:rPr lang="en-US">
+                <a:sym typeface="+mn-ea"/>
               </a:rPr>
-              <a:t>Visual Studio</a:t>
-            </a:r>
-            <a:endParaRPr lang="zh-TW" altLang="en-US" sz="4000" dirty="0">
-              <a:latin typeface="Times New Roman" panose="02020603050405020304" pitchFamily="18" charset="0"/>
-              <a:ea typeface="標楷體" panose="03000509000000000000" pitchFamily="65" charset="-120"/>
-              <a:cs typeface="Times New Roman" panose="02020603050405020304" pitchFamily="18" charset="0"/>
+              <a:t>SQLite</a:t>
+            </a:r>
+            <a:endParaRPr lang="en-US"/>
+          </a:p>
+        </p:txBody>
+      </p:sp>
+      <p:sp>
+        <p:nvSpPr>
+          <p:cNvPr id="3" name="Content Placeholder 2"/>
+          <p:cNvSpPr>
+            <a:spLocks noGrp="1"/>
+          </p:cNvSpPr>
+          <p:nvPr>
+            <p:ph idx="1"/>
+          </p:nvPr>
+        </p:nvSpPr>
+        <p:spPr/>
+        <p:txBody>
+          <a:bodyPr/>
+          <a:p>
+            <a:r>
+              <a:rPr lang="en-US" sz="1800">
+                <a:latin typeface="微軟正黑體" panose="020B0604030504040204" charset="-120"/>
+                <a:ea typeface="微軟正黑體" panose="020B0604030504040204" charset="-120"/>
+                <a:cs typeface="微軟正黑體" panose="020B0604030504040204" charset="-120"/>
+              </a:rPr>
+              <a:t>SQLite是一個輕量級、無服務器的嵌入式數據庫，適合本地應用。</a:t>
+            </a:r>
+            <a:endParaRPr lang="en-US" sz="1800">
+              <a:latin typeface="微軟正黑體" panose="020B0604030504040204" charset="-120"/>
+              <a:ea typeface="微軟正黑體" panose="020B0604030504040204" charset="-120"/>
+              <a:cs typeface="微軟正黑體" panose="020B0604030504040204" charset="-120"/>
             </a:endParaRPr>
           </a:p>
-        </p:txBody>
-      </p:sp>
-      <p:pic>
-        <p:nvPicPr>
-          <p:cNvPr id="7" name="圖片 6">
-            <a:extLst>
-              <a:ext uri="{FF2B5EF4-FFF2-40B4-BE49-F238E27FC236}">
-                <a16:creationId xmlns:a16="http://schemas.microsoft.com/office/drawing/2014/main" id="{ECF7B371-F858-467A-95AC-EB10E3885565}"/>
-              </a:ext>
-            </a:extLst>
-          </p:cNvPr>
-          <p:cNvPicPr>
-            <a:picLocks noChangeAspect="1"/>
-          </p:cNvPicPr>
-          <p:nvPr/>
-        </p:nvPicPr>
-        <p:blipFill>
-          <a:blip r:embed="rId2"/>
-          <a:stretch>
-            <a:fillRect/>
-          </a:stretch>
-        </p:blipFill>
-        <p:spPr>
-          <a:xfrm>
-            <a:off x="1344358" y="1800606"/>
-            <a:ext cx="6467475" cy="2324100"/>
-          </a:xfrm>
-          <a:prstGeom prst="rect">
-            <a:avLst/>
-          </a:prstGeom>
-        </p:spPr>
-      </p:pic>
-      <p:pic>
-        <p:nvPicPr>
-          <p:cNvPr id="9" name="圖片 8">
-            <a:extLst>
-              <a:ext uri="{FF2B5EF4-FFF2-40B4-BE49-F238E27FC236}">
-                <a16:creationId xmlns:a16="http://schemas.microsoft.com/office/drawing/2014/main" id="{6E32AD97-0783-4F15-81DC-C59EBBDEA7A5}"/>
-              </a:ext>
-            </a:extLst>
-          </p:cNvPr>
-          <p:cNvPicPr>
-            <a:picLocks noChangeAspect="1"/>
-          </p:cNvPicPr>
-          <p:nvPr/>
-        </p:nvPicPr>
-        <p:blipFill>
-          <a:blip r:embed="rId3"/>
-          <a:stretch>
-            <a:fillRect/>
-          </a:stretch>
-        </p:blipFill>
-        <p:spPr>
-          <a:xfrm>
-            <a:off x="4192333" y="4457700"/>
-            <a:ext cx="7239000" cy="1924050"/>
-          </a:xfrm>
-          <a:prstGeom prst="rect">
-            <a:avLst/>
-          </a:prstGeom>
-        </p:spPr>
-      </p:pic>
+          <a:p>
+            <a:endParaRPr lang="en-US" sz="1800">
+              <a:latin typeface="微軟正黑體" panose="020B0604030504040204" charset="-120"/>
+              <a:ea typeface="微軟正黑體" panose="020B0604030504040204" charset="-120"/>
+              <a:cs typeface="微軟正黑體" panose="020B0604030504040204" charset="-120"/>
+            </a:endParaRPr>
+          </a:p>
+          <a:p>
+            <a:r>
+              <a:rPr lang="en-US" sz="1800">
+                <a:latin typeface="微軟正黑體" panose="020B0604030504040204" charset="-120"/>
+                <a:ea typeface="微軟正黑體" panose="020B0604030504040204" charset="-120"/>
+                <a:cs typeface="微軟正黑體" panose="020B0604030504040204" charset="-120"/>
+              </a:rPr>
+              <a:t>使用步驟：</a:t>
+            </a:r>
+            <a:endParaRPr lang="en-US" sz="1800">
+              <a:latin typeface="微軟正黑體" panose="020B0604030504040204" charset="-120"/>
+              <a:ea typeface="微軟正黑體" panose="020B0604030504040204" charset="-120"/>
+              <a:cs typeface="微軟正黑體" panose="020B0604030504040204" charset="-120"/>
+            </a:endParaRPr>
+          </a:p>
+          <a:p>
+            <a:pPr lvl="1"/>
+            <a:r>
+              <a:rPr lang="en-US" sz="1800">
+                <a:latin typeface="微軟正黑體" panose="020B0604030504040204" charset="-120"/>
+                <a:ea typeface="微軟正黑體" panose="020B0604030504040204" charset="-120"/>
+                <a:cs typeface="微軟正黑體" panose="020B0604030504040204" charset="-120"/>
+              </a:rPr>
+              <a:t>添加SQLite庫</a:t>
+            </a:r>
+            <a:endParaRPr lang="en-US" sz="1800">
+              <a:latin typeface="微軟正黑體" panose="020B0604030504040204" charset="-120"/>
+              <a:ea typeface="微軟正黑體" panose="020B0604030504040204" charset="-120"/>
+              <a:cs typeface="微軟正黑體" panose="020B0604030504040204" charset="-120"/>
+            </a:endParaRPr>
+          </a:p>
+          <a:p>
+            <a:pPr lvl="1"/>
+            <a:r>
+              <a:rPr lang="en-US" sz="1800">
+                <a:latin typeface="微軟正黑體" panose="020B0604030504040204" charset="-120"/>
+                <a:ea typeface="微軟正黑體" panose="020B0604030504040204" charset="-120"/>
+                <a:cs typeface="微軟正黑體" panose="020B0604030504040204" charset="-120"/>
+              </a:rPr>
+              <a:t>打開NuGet包管理器，搜尋sqlite-net-pcl，然後安裝它。</a:t>
+            </a:r>
+            <a:endParaRPr lang="en-US" sz="1800">
+              <a:latin typeface="微軟正黑體" panose="020B0604030504040204" charset="-120"/>
+              <a:ea typeface="微軟正黑體" panose="020B0604030504040204" charset="-120"/>
+              <a:cs typeface="微軟正黑體" panose="020B0604030504040204" charset="-120"/>
+            </a:endParaRPr>
+          </a:p>
+          <a:p>
+            <a:pPr lvl="1"/>
+            <a:r>
+              <a:rPr lang="en-US" sz="1800">
+                <a:latin typeface="微軟正黑體" panose="020B0604030504040204" charset="-120"/>
+                <a:ea typeface="微軟正黑體" panose="020B0604030504040204" charset="-120"/>
+                <a:cs typeface="微軟正黑體" panose="020B0604030504040204" charset="-120"/>
+              </a:rPr>
+              <a:t>配置SQLite</a:t>
+            </a:r>
+            <a:endParaRPr lang="en-US" sz="1800">
+              <a:latin typeface="微軟正黑體" panose="020B0604030504040204" charset="-120"/>
+              <a:ea typeface="微軟正黑體" panose="020B0604030504040204" charset="-120"/>
+              <a:cs typeface="微軟正黑體" panose="020B0604030504040204" charset="-120"/>
+            </a:endParaRPr>
+          </a:p>
+          <a:p>
+            <a:pPr lvl="1"/>
+            <a:r>
+              <a:rPr lang="en-US" sz="1800">
+                <a:latin typeface="微軟正黑體" panose="020B0604030504040204" charset="-120"/>
+                <a:ea typeface="微軟正黑體" panose="020B0604030504040204" charset="-120"/>
+                <a:cs typeface="微軟正黑體" panose="020B0604030504040204" charset="-120"/>
+              </a:rPr>
+              <a:t>在代碼中使用數據庫</a:t>
+            </a:r>
+            <a:endParaRPr lang="en-US" sz="1800">
+              <a:latin typeface="微軟正黑體" panose="020B0604030504040204" charset="-120"/>
+              <a:ea typeface="微軟正黑體" panose="020B0604030504040204" charset="-120"/>
+              <a:cs typeface="微軟正黑體" panose="020B0604030504040204" charset="-120"/>
+            </a:endParaRPr>
+          </a:p>
+        </p:txBody>
+      </p:sp>
     </p:spTree>
-    <p:extLst>
-      <p:ext uri="{BB962C8B-B14F-4D97-AF65-F5344CB8AC3E}">
-        <p14:creationId xmlns:p14="http://schemas.microsoft.com/office/powerpoint/2010/main" val="1039967321"/>
-      </p:ext>
-    </p:extLst>
   </p:cSld>
   <p:clrMapOvr>
     <a:masterClrMapping/>
@@ -8566,18 +8536,40 @@
       </p:grpSpPr>
       <p:sp>
         <p:nvSpPr>
-          <p:cNvPr id="2" name="標題 1">
-            <a:extLst>
-              <a:ext uri="{FF2B5EF4-FFF2-40B4-BE49-F238E27FC236}">
-                <a16:creationId xmlns:a16="http://schemas.microsoft.com/office/drawing/2014/main" id="{07177F82-207C-4F3A-87CD-FC4AEC42CAA4}"/>
-              </a:ext>
-            </a:extLst>
-          </p:cNvPr>
+          <p:cNvPr id="2" name="標題 1"/>
           <p:cNvSpPr>
             <a:spLocks noGrp="1"/>
           </p:cNvSpPr>
           <p:nvPr>
             <p:ph type="title"/>
+          </p:nvPr>
+        </p:nvSpPr>
+        <p:spPr/>
+        <p:txBody>
+          <a:bodyPr/>
+          <a:lstStyle/>
+          <a:p>
+            <a:r>
+              <a:rPr>
+                <a:sym typeface="+mn-ea"/>
+              </a:rPr>
+              <a:t>MySQL</a:t>
+            </a:r>
+            <a:endParaRPr lang="en-US" altLang="zh-TW" dirty="0">
+              <a:latin typeface="微軟正黑體" panose="020B0604030504040204" charset="-120"/>
+              <a:ea typeface="微軟正黑體" panose="020B0604030504040204" charset="-120"/>
+            </a:endParaRPr>
+          </a:p>
+        </p:txBody>
+      </p:sp>
+      <p:sp>
+        <p:nvSpPr>
+          <p:cNvPr id="3" name="內容版面配置區 2"/>
+          <p:cNvSpPr>
+            <a:spLocks noGrp="1"/>
+          </p:cNvSpPr>
+          <p:nvPr>
+            <p:ph idx="1"/>
           </p:nvPr>
         </p:nvSpPr>
         <p:spPr/>
@@ -8588,150 +8580,148 @@
           <a:lstStyle/>
           <a:p>
             <a:r>
-              <a:rPr lang="en-US" altLang="zh-TW" sz="4000" dirty="0">
-                <a:latin typeface="Times New Roman" panose="02020603050405020304" pitchFamily="18" charset="0"/>
-                <a:ea typeface="標楷體" panose="03000509000000000000" pitchFamily="65" charset="-120"/>
-                <a:cs typeface="Times New Roman" panose="02020603050405020304" pitchFamily="18" charset="0"/>
+              <a:rPr sz="1800">
+                <a:latin typeface="微軟正黑體" panose="020B0604030504040204" charset="-120"/>
+                <a:ea typeface="微軟正黑體" panose="020B0604030504040204" charset="-120"/>
+                <a:cs typeface="微軟正黑體" panose="020B0604030504040204" charset="-120"/>
               </a:rPr>
-              <a:t>Visual Studio</a:t>
-            </a:r>
-            <a:endParaRPr lang="zh-TW" altLang="en-US" sz="4000" dirty="0">
-              <a:latin typeface="標楷體" panose="03000509000000000000" pitchFamily="65" charset="-120"/>
-              <a:ea typeface="標楷體" panose="03000509000000000000" pitchFamily="65" charset="-120"/>
+              <a:t>MySQL 是免費的開源數據庫，適合本地和生產環境中使用。以下是如何在 Visual Studio 的 C# 和 WPF 項目中使用 MySQL 的步驟：</a:t>
+            </a:r>
+            <a:endParaRPr sz="1800">
+              <a:latin typeface="微軟正黑體" panose="020B0604030504040204" charset="-120"/>
+              <a:ea typeface="微軟正黑體" panose="020B0604030504040204" charset="-120"/>
+              <a:cs typeface="微軟正黑體" panose="020B0604030504040204" charset="-120"/>
             </a:endParaRPr>
           </a:p>
-        </p:txBody>
-      </p:sp>
-      <p:pic>
-        <p:nvPicPr>
-          <p:cNvPr id="6" name="圖片 5">
-            <a:extLst>
-              <a:ext uri="{FF2B5EF4-FFF2-40B4-BE49-F238E27FC236}">
-                <a16:creationId xmlns:a16="http://schemas.microsoft.com/office/drawing/2014/main" id="{A2E49007-B6B6-4299-B177-DCDD55C8A7E7}"/>
-              </a:ext>
-            </a:extLst>
-          </p:cNvPr>
-          <p:cNvPicPr>
-            <a:picLocks noChangeAspect="1"/>
-          </p:cNvPicPr>
-          <p:nvPr/>
-        </p:nvPicPr>
-        <p:blipFill>
-          <a:blip r:embed="rId2"/>
-          <a:stretch>
-            <a:fillRect/>
-          </a:stretch>
-        </p:blipFill>
-        <p:spPr>
-          <a:xfrm>
-            <a:off x="2722435" y="2807017"/>
-            <a:ext cx="7058025" cy="2524125"/>
-          </a:xfrm>
-          <a:prstGeom prst="rect">
-            <a:avLst/>
-          </a:prstGeom>
-        </p:spPr>
-      </p:pic>
+          <a:p>
+            <a:endParaRPr sz="1800">
+              <a:latin typeface="微軟正黑體" panose="020B0604030504040204" charset="-120"/>
+              <a:ea typeface="微軟正黑體" panose="020B0604030504040204" charset="-120"/>
+              <a:cs typeface="微軟正黑體" panose="020B0604030504040204" charset="-120"/>
+            </a:endParaRPr>
+          </a:p>
+          <a:p>
+            <a:r>
+              <a:rPr lang="en-US" sz="1800">
+                <a:latin typeface="微軟正黑體" panose="020B0604030504040204" charset="-120"/>
+                <a:ea typeface="微軟正黑體" panose="020B0604030504040204" charset="-120"/>
+                <a:cs typeface="微軟正黑體" panose="020B0604030504040204" charset="-120"/>
+                <a:sym typeface="+mn-ea"/>
+              </a:rPr>
+              <a:t>使用步驟：</a:t>
+            </a:r>
+            <a:endParaRPr sz="1800">
+              <a:latin typeface="微軟正黑體" panose="020B0604030504040204" charset="-120"/>
+              <a:ea typeface="微軟正黑體" panose="020B0604030504040204" charset="-120"/>
+              <a:cs typeface="微軟正黑體" panose="020B0604030504040204" charset="-120"/>
+            </a:endParaRPr>
+          </a:p>
+          <a:p>
+            <a:pPr lvl="1"/>
+            <a:r>
+              <a:rPr sz="1800">
+                <a:latin typeface="微軟正黑體" panose="020B0604030504040204" charset="-120"/>
+                <a:ea typeface="微軟正黑體" panose="020B0604030504040204" charset="-120"/>
+                <a:cs typeface="微軟正黑體" panose="020B0604030504040204" charset="-120"/>
+              </a:rPr>
+              <a:t>安裝 MySQL 服務器</a:t>
+            </a:r>
+            <a:endParaRPr sz="1800">
+              <a:latin typeface="微軟正黑體" panose="020B0604030504040204" charset="-120"/>
+              <a:ea typeface="微軟正黑體" panose="020B0604030504040204" charset="-120"/>
+              <a:cs typeface="微軟正黑體" panose="020B0604030504040204" charset="-120"/>
+            </a:endParaRPr>
+          </a:p>
+          <a:p>
+            <a:pPr lvl="2"/>
+            <a:r>
+              <a:rPr sz="1800">
+                <a:latin typeface="微軟正黑體" panose="020B0604030504040204" charset="-120"/>
+                <a:ea typeface="微軟正黑體" panose="020B0604030504040204" charset="-120"/>
+                <a:cs typeface="微軟正黑體" panose="020B0604030504040204" charset="-120"/>
+                <a:sym typeface="+mn-ea"/>
+              </a:rPr>
+              <a:t>https://dev.mysql.com/downloads/file/?id=529732</a:t>
+            </a:r>
+            <a:endParaRPr sz="1800">
+              <a:latin typeface="微軟正黑體" panose="020B0604030504040204" charset="-120"/>
+              <a:ea typeface="微軟正黑體" panose="020B0604030504040204" charset="-120"/>
+              <a:cs typeface="微軟正黑體" panose="020B0604030504040204" charset="-120"/>
+              <a:sym typeface="+mn-ea"/>
+            </a:endParaRPr>
+          </a:p>
+          <a:p>
+            <a:pPr lvl="1"/>
+            <a:r>
+              <a:rPr sz="1800">
+                <a:latin typeface="微軟正黑體" panose="020B0604030504040204" charset="-120"/>
+                <a:ea typeface="微軟正黑體" panose="020B0604030504040204" charset="-120"/>
+                <a:cs typeface="微軟正黑體" panose="020B0604030504040204" charset="-120"/>
+              </a:rPr>
+              <a:t>安裝 MySQL Connector/NET</a:t>
+            </a:r>
+            <a:r>
+              <a:rPr lang="zh-TW" sz="1800">
+                <a:latin typeface="微軟正黑體" panose="020B0604030504040204" charset="-120"/>
+                <a:ea typeface="微軟正黑體" panose="020B0604030504040204" charset="-120"/>
+                <a:cs typeface="微軟正黑體" panose="020B0604030504040204" charset="-120"/>
+              </a:rPr>
+              <a:t>，</a:t>
+            </a:r>
+            <a:r>
+              <a:rPr sz="1800">
+                <a:latin typeface="微軟正黑體" panose="020B0604030504040204" charset="-120"/>
+                <a:ea typeface="微軟正黑體" panose="020B0604030504040204" charset="-120"/>
+                <a:cs typeface="微軟正黑體" panose="020B0604030504040204" charset="-120"/>
+                <a:sym typeface="+mn-ea"/>
+              </a:rPr>
+              <a:t>是一個用於 .NET 應用程序的數據庫驅動程序</a:t>
+            </a:r>
+            <a:endParaRPr sz="1800">
+              <a:latin typeface="微軟正黑體" panose="020B0604030504040204" charset="-120"/>
+              <a:ea typeface="微軟正黑體" panose="020B0604030504040204" charset="-120"/>
+              <a:cs typeface="微軟正黑體" panose="020B0604030504040204" charset="-120"/>
+            </a:endParaRPr>
+          </a:p>
+          <a:p>
+            <a:pPr lvl="2"/>
+            <a:r>
+              <a:rPr sz="1800">
+                <a:latin typeface="微軟正黑體" panose="020B0604030504040204" charset="-120"/>
+                <a:ea typeface="微軟正黑體" panose="020B0604030504040204" charset="-120"/>
+                <a:cs typeface="微軟正黑體" panose="020B0604030504040204" charset="-120"/>
+              </a:rPr>
+              <a:t>配置 MySQL 連接</a:t>
+            </a:r>
+            <a:endParaRPr sz="1800">
+              <a:latin typeface="微軟正黑體" panose="020B0604030504040204" charset="-120"/>
+              <a:ea typeface="微軟正黑體" panose="020B0604030504040204" charset="-120"/>
+              <a:cs typeface="微軟正黑體" panose="020B0604030504040204" charset="-120"/>
+            </a:endParaRPr>
+          </a:p>
+          <a:p>
+            <a:pPr lvl="2"/>
+            <a:r>
+              <a:rPr lang="en-US" sz="1800">
+                <a:latin typeface="微軟正黑體" panose="020B0604030504040204" charset="-120"/>
+                <a:ea typeface="微軟正黑體" panose="020B0604030504040204" charset="-120"/>
+                <a:cs typeface="微軟正黑體" panose="020B0604030504040204" charset="-120"/>
+                <a:sym typeface="+mn-ea"/>
+              </a:rPr>
+              <a:t>在代碼中使用數據庫</a:t>
+            </a:r>
+            <a:endParaRPr lang="en-US" sz="1800">
+              <a:latin typeface="微軟正黑體" panose="020B0604030504040204" charset="-120"/>
+              <a:ea typeface="微軟正黑體" panose="020B0604030504040204" charset="-120"/>
+              <a:cs typeface="微軟正黑體" panose="020B0604030504040204" charset="-120"/>
+              <a:sym typeface="+mn-ea"/>
+            </a:endParaRPr>
+          </a:p>
+          <a:p/>
+          <a:p/>
+        </p:txBody>
+      </p:sp>
     </p:spTree>
-    <p:extLst>
-      <p:ext uri="{BB962C8B-B14F-4D97-AF65-F5344CB8AC3E}">
-        <p14:creationId xmlns:p14="http://schemas.microsoft.com/office/powerpoint/2010/main" val="3779425372"/>
-      </p:ext>
-    </p:extLst>
-  </p:cSld>
-  <p:clrMapOvr>
-    <a:masterClrMapping/>
-  </p:clrMapOvr>
-</p:sld>
-</file>
-
-<file path=ppt/slides/slide8.xml><?xml version="1.0" encoding="utf-8"?>
-<p:sld xmlns:a="http://schemas.openxmlformats.org/drawingml/2006/main" xmlns:r="http://schemas.openxmlformats.org/officeDocument/2006/relationships" xmlns:p="http://schemas.openxmlformats.org/presentationml/2006/main">
-  <p:cSld>
-    <p:spTree>
-      <p:nvGrpSpPr>
-        <p:cNvPr id="1" name=""/>
-        <p:cNvGrpSpPr/>
-        <p:nvPr/>
-      </p:nvGrpSpPr>
-      <p:grpSpPr>
-        <a:xfrm>
-          <a:off x="0" y="0"/>
-          <a:ext cx="0" cy="0"/>
-          <a:chOff x="0" y="0"/>
-          <a:chExt cx="0" cy="0"/>
-        </a:xfrm>
-      </p:grpSpPr>
-      <p:sp>
-        <p:nvSpPr>
-          <p:cNvPr id="2" name="標題 1">
-            <a:extLst>
-              <a:ext uri="{FF2B5EF4-FFF2-40B4-BE49-F238E27FC236}">
-                <a16:creationId xmlns:a16="http://schemas.microsoft.com/office/drawing/2014/main" id="{80F60BFD-A305-4861-8E63-479E90FFBAE0}"/>
-              </a:ext>
-            </a:extLst>
-          </p:cNvPr>
-          <p:cNvSpPr>
-            <a:spLocks noGrp="1"/>
-          </p:cNvSpPr>
-          <p:nvPr>
-            <p:ph type="title"/>
-          </p:nvPr>
-        </p:nvSpPr>
-        <p:spPr/>
-        <p:txBody>
-          <a:bodyPr/>
-          <a:lstStyle/>
-          <a:p>
-            <a:r>
-              <a:rPr lang="zh-TW" altLang="en-US" dirty="0"/>
-              <a:t>後續整合</a:t>
-            </a:r>
-          </a:p>
-        </p:txBody>
-      </p:sp>
-      <p:sp>
-        <p:nvSpPr>
-          <p:cNvPr id="3" name="內容版面配置區 2">
-            <a:extLst>
-              <a:ext uri="{FF2B5EF4-FFF2-40B4-BE49-F238E27FC236}">
-                <a16:creationId xmlns:a16="http://schemas.microsoft.com/office/drawing/2014/main" id="{F0739E39-8C67-40DC-B07D-BE4168C25B87}"/>
-              </a:ext>
-            </a:extLst>
-          </p:cNvPr>
-          <p:cNvSpPr>
-            <a:spLocks noGrp="1"/>
-          </p:cNvSpPr>
-          <p:nvPr>
-            <p:ph idx="1"/>
-          </p:nvPr>
-        </p:nvSpPr>
-        <p:spPr/>
-        <p:txBody>
-          <a:bodyPr/>
-          <a:lstStyle/>
-          <a:p>
-            <a:r>
-              <a:rPr lang="zh-TW" altLang="en-US" dirty="0"/>
-              <a:t>與</a:t>
-            </a:r>
-            <a:r>
-              <a:rPr lang="en-US" altLang="zh-TW" dirty="0" err="1"/>
-              <a:t>EnglishChat</a:t>
-            </a:r>
-            <a:r>
-              <a:rPr lang="zh-TW" altLang="en-US" dirty="0"/>
-              <a:t>整合</a:t>
-            </a:r>
-          </a:p>
-        </p:txBody>
-      </p:sp>
-    </p:spTree>
-    <p:extLst>
-      <p:ext uri="{BB962C8B-B14F-4D97-AF65-F5344CB8AC3E}">
-        <p14:creationId xmlns:p14="http://schemas.microsoft.com/office/powerpoint/2010/main" val="3984974128"/>
-      </p:ext>
-    </p:extLst>
   </p:cSld>
   <p:clrMapOvr>
     <a:masterClrMapping/>
@@ -8782,7 +8772,7 @@
     </a:clrScheme>
     <a:fontScheme name="絲縷">
       <a:majorFont>
-        <a:latin typeface="Century Gothic" panose="020B0502020202020204"/>
+        <a:latin typeface="Century Gothic"/>
         <a:ea typeface=""/>
         <a:cs typeface=""/>
         <a:font script="Jpan" typeface="メイリオ"/>
@@ -8817,7 +8807,7 @@
         <a:font script="Geor" typeface="Sylfaen"/>
       </a:majorFont>
       <a:minorFont>
-        <a:latin typeface="Century Gothic" panose="020B0502020202020204"/>
+        <a:latin typeface="Century Gothic"/>
         <a:ea typeface=""/>
         <a:cs typeface=""/>
         <a:font script="Jpan" typeface="メイリオ"/>
@@ -8972,11 +8962,9 @@
       </a:bgFillStyleLst>
     </a:fmtScheme>
   </a:themeElements>
-  <a:objectDefaults/>
-  <a:extraClrSchemeLst/>
   <a:extLst>
     <a:ext uri="{05A4C25C-085E-4340-85A3-A5531E510DB2}">
-      <thm15:themeFamily xmlns:thm15="http://schemas.microsoft.com/office/thememl/2012/main" name="Wisp" id="{7CB32D59-10C0-40DD-B7BD-2E94284A981C}" vid="{24B1A44C-C006-48B2-A4D7-E5549B3D8CD4}"/>
+      <thm15:themeFamily xmlns:thm15="http://schemas.microsoft.com/office/thememl/2012/main" name="Office Theme" id="{62F939B6-93AF-4DB8-9C6B-D6C7DFDC589F}" vid="{4A3C46E8-61CC-4603-A589-7422A47A8E4A}"/>
     </a:ext>
   </a:extLst>
 </a:theme>
